--- a/THEE_presentation.pptx
+++ b/THEE_presentation.pptx
@@ -10,14 +10,14 @@
     <p:sldId id="258" r:id="rId4"/>
     <p:sldId id="259" r:id="rId5"/>
     <p:sldId id="265" r:id="rId6"/>
-    <p:sldId id="266" r:id="rId7"/>
-    <p:sldId id="267" r:id="rId8"/>
-    <p:sldId id="261" r:id="rId9"/>
-    <p:sldId id="263" r:id="rId10"/>
-    <p:sldId id="260" r:id="rId11"/>
-    <p:sldId id="262" r:id="rId12"/>
-    <p:sldId id="269" r:id="rId13"/>
-    <p:sldId id="270" r:id="rId14"/>
+    <p:sldId id="267" r:id="rId7"/>
+    <p:sldId id="261" r:id="rId8"/>
+    <p:sldId id="263" r:id="rId9"/>
+    <p:sldId id="260" r:id="rId10"/>
+    <p:sldId id="262" r:id="rId11"/>
+    <p:sldId id="269" r:id="rId12"/>
+    <p:sldId id="270" r:id="rId13"/>
+    <p:sldId id="271" r:id="rId14"/>
   </p:sldIdLst>
   <p:sldSz cx="12192000" cy="6858000"/>
   <p:notesSz cx="6858000" cy="9144000"/>
@@ -6568,7 +6568,7 @@
           <a:p>
             <a:fld id="{256E0D5A-877C-43E6-8161-BEA82FD88084}" type="datetimeFigureOut">
               <a:rPr lang="de-CH" smtClean="0"/>
-              <a:t>28.10.2025</a:t>
+              <a:t>29.10.2025</a:t>
             </a:fld>
             <a:endParaRPr lang="de-CH"/>
           </a:p>
@@ -6768,7 +6768,7 @@
           <a:p>
             <a:fld id="{256E0D5A-877C-43E6-8161-BEA82FD88084}" type="datetimeFigureOut">
               <a:rPr lang="de-CH" smtClean="0"/>
-              <a:t>28.10.2025</a:t>
+              <a:t>29.10.2025</a:t>
             </a:fld>
             <a:endParaRPr lang="de-CH"/>
           </a:p>
@@ -6978,7 +6978,7 @@
           <a:p>
             <a:fld id="{256E0D5A-877C-43E6-8161-BEA82FD88084}" type="datetimeFigureOut">
               <a:rPr lang="de-CH" smtClean="0"/>
-              <a:t>28.10.2025</a:t>
+              <a:t>29.10.2025</a:t>
             </a:fld>
             <a:endParaRPr lang="de-CH"/>
           </a:p>
@@ -7178,7 +7178,7 @@
           <a:p>
             <a:fld id="{256E0D5A-877C-43E6-8161-BEA82FD88084}" type="datetimeFigureOut">
               <a:rPr lang="de-CH" smtClean="0"/>
-              <a:t>28.10.2025</a:t>
+              <a:t>29.10.2025</a:t>
             </a:fld>
             <a:endParaRPr lang="de-CH"/>
           </a:p>
@@ -7454,7 +7454,7 @@
           <a:p>
             <a:fld id="{256E0D5A-877C-43E6-8161-BEA82FD88084}" type="datetimeFigureOut">
               <a:rPr lang="de-CH" smtClean="0"/>
-              <a:t>28.10.2025</a:t>
+              <a:t>29.10.2025</a:t>
             </a:fld>
             <a:endParaRPr lang="de-CH"/>
           </a:p>
@@ -7722,7 +7722,7 @@
           <a:p>
             <a:fld id="{256E0D5A-877C-43E6-8161-BEA82FD88084}" type="datetimeFigureOut">
               <a:rPr lang="de-CH" smtClean="0"/>
-              <a:t>28.10.2025</a:t>
+              <a:t>29.10.2025</a:t>
             </a:fld>
             <a:endParaRPr lang="de-CH"/>
           </a:p>
@@ -8137,7 +8137,7 @@
           <a:p>
             <a:fld id="{256E0D5A-877C-43E6-8161-BEA82FD88084}" type="datetimeFigureOut">
               <a:rPr lang="de-CH" smtClean="0"/>
-              <a:t>28.10.2025</a:t>
+              <a:t>29.10.2025</a:t>
             </a:fld>
             <a:endParaRPr lang="de-CH"/>
           </a:p>
@@ -8279,7 +8279,7 @@
           <a:p>
             <a:fld id="{256E0D5A-877C-43E6-8161-BEA82FD88084}" type="datetimeFigureOut">
               <a:rPr lang="de-CH" smtClean="0"/>
-              <a:t>28.10.2025</a:t>
+              <a:t>29.10.2025</a:t>
             </a:fld>
             <a:endParaRPr lang="de-CH"/>
           </a:p>
@@ -8392,7 +8392,7 @@
           <a:p>
             <a:fld id="{256E0D5A-877C-43E6-8161-BEA82FD88084}" type="datetimeFigureOut">
               <a:rPr lang="de-CH" smtClean="0"/>
-              <a:t>28.10.2025</a:t>
+              <a:t>29.10.2025</a:t>
             </a:fld>
             <a:endParaRPr lang="de-CH"/>
           </a:p>
@@ -8705,7 +8705,7 @@
           <a:p>
             <a:fld id="{256E0D5A-877C-43E6-8161-BEA82FD88084}" type="datetimeFigureOut">
               <a:rPr lang="de-CH" smtClean="0"/>
-              <a:t>28.10.2025</a:t>
+              <a:t>29.10.2025</a:t>
             </a:fld>
             <a:endParaRPr lang="de-CH"/>
           </a:p>
@@ -8994,7 +8994,7 @@
           <a:p>
             <a:fld id="{256E0D5A-877C-43E6-8161-BEA82FD88084}" type="datetimeFigureOut">
               <a:rPr lang="de-CH" smtClean="0"/>
-              <a:t>28.10.2025</a:t>
+              <a:t>29.10.2025</a:t>
             </a:fld>
             <a:endParaRPr lang="de-CH"/>
           </a:p>
@@ -9237,7 +9237,7 @@
           <a:p>
             <a:fld id="{256E0D5A-877C-43E6-8161-BEA82FD88084}" type="datetimeFigureOut">
               <a:rPr lang="de-CH" smtClean="0"/>
-              <a:t>28.10.2025</a:t>
+              <a:t>29.10.2025</a:t>
             </a:fld>
             <a:endParaRPr lang="de-CH"/>
           </a:p>
@@ -10380,10 +10380,10 @@
       </p:grpSpPr>
       <p:pic>
         <p:nvPicPr>
-          <p:cNvPr id="14" name="Grafik 13" descr="Ein Bild, das Text, Screenshot, Schrift, Diagramm enthält.&#10;&#10;KI-generierte Inhalte können fehlerhaft sein.">
+          <p:cNvPr id="8" name="Grafik 7" descr="Ein Bild, das Text, Screenshot, Diagramm, Reihe enthält.&#10;&#10;KI-generierte Inhalte können fehlerhaft sein.">
             <a:extLst>
               <a:ext uri="{FF2B5EF4-FFF2-40B4-BE49-F238E27FC236}">
-                <a16:creationId xmlns:a16="http://schemas.microsoft.com/office/drawing/2014/main" id="{D782B588-ECE0-C3F9-5EB2-F894E28B2EC0}"/>
+                <a16:creationId xmlns:a16="http://schemas.microsoft.com/office/drawing/2014/main" id="{5826D9C8-40EE-E2DF-3ECB-1D159335CC42}"/>
               </a:ext>
             </a:extLst>
           </p:cNvPr>
@@ -10406,8 +10406,80 @@
         </p:blipFill>
         <p:spPr>
           <a:xfrm>
-            <a:off x="3891280" y="944674"/>
-            <a:ext cx="4409439" cy="3698239"/>
+            <a:off x="1" y="3287580"/>
+            <a:ext cx="4257039" cy="3570420"/>
+          </a:xfrm>
+          <a:prstGeom prst="rect">
+            <a:avLst/>
+          </a:prstGeom>
+        </p:spPr>
+      </p:pic>
+      <p:pic>
+        <p:nvPicPr>
+          <p:cNvPr id="12" name="Grafik 11" descr="Ein Bild, das Text, Diagramm, Screenshot, Reihe enthält.&#10;&#10;KI-generierte Inhalte können fehlerhaft sein.">
+            <a:extLst>
+              <a:ext uri="{FF2B5EF4-FFF2-40B4-BE49-F238E27FC236}">
+                <a16:creationId xmlns:a16="http://schemas.microsoft.com/office/drawing/2014/main" id="{E1E9B559-AD7C-093F-0D20-535A35961994}"/>
+              </a:ext>
+            </a:extLst>
+          </p:cNvPr>
+          <p:cNvPicPr>
+            <a:picLocks noChangeAspect="1"/>
+          </p:cNvPicPr>
+          <p:nvPr/>
+        </p:nvPicPr>
+        <p:blipFill>
+          <a:blip r:embed="rId3">
+            <a:extLst>
+              <a:ext uri="{28A0092B-C50C-407E-A947-70E740481C1C}">
+                <a14:useLocalDpi xmlns:a14="http://schemas.microsoft.com/office/drawing/2010/main" val="0"/>
+              </a:ext>
+            </a:extLst>
+          </a:blip>
+          <a:stretch>
+            <a:fillRect/>
+          </a:stretch>
+        </p:blipFill>
+        <p:spPr>
+          <a:xfrm>
+            <a:off x="7731760" y="3117154"/>
+            <a:ext cx="4460240" cy="3740846"/>
+          </a:xfrm>
+          <a:prstGeom prst="rect">
+            <a:avLst/>
+          </a:prstGeom>
+        </p:spPr>
+      </p:pic>
+      <p:pic>
+        <p:nvPicPr>
+          <p:cNvPr id="14" name="Grafik 13" descr="Ein Bild, das Text, Screenshot, Schrift, Diagramm enthält.&#10;&#10;KI-generierte Inhalte können fehlerhaft sein.">
+            <a:extLst>
+              <a:ext uri="{FF2B5EF4-FFF2-40B4-BE49-F238E27FC236}">
+                <a16:creationId xmlns:a16="http://schemas.microsoft.com/office/drawing/2014/main" id="{877F9DB5-3919-82D2-72C7-66A3E003D38B}"/>
+              </a:ext>
+            </a:extLst>
+          </p:cNvPr>
+          <p:cNvPicPr>
+            <a:picLocks noChangeAspect="1"/>
+          </p:cNvPicPr>
+          <p:nvPr/>
+        </p:nvPicPr>
+        <p:blipFill>
+          <a:blip r:embed="rId4">
+            <a:extLst>
+              <a:ext uri="{28A0092B-C50C-407E-A947-70E740481C1C}">
+                <a14:useLocalDpi xmlns:a14="http://schemas.microsoft.com/office/drawing/2010/main" val="0"/>
+              </a:ext>
+            </a:extLst>
+          </a:blip>
+          <a:stretch>
+            <a:fillRect/>
+          </a:stretch>
+        </p:blipFill>
+        <p:spPr>
+          <a:xfrm>
+            <a:off x="3936796" y="1287913"/>
+            <a:ext cx="4133312" cy="3466649"/>
           </a:xfrm>
           <a:prstGeom prst="rect">
             <a:avLst/>
@@ -10419,7 +10491,7 @@
           <p:cNvPr id="2" name="Titel 1">
             <a:extLst>
               <a:ext uri="{FF2B5EF4-FFF2-40B4-BE49-F238E27FC236}">
-                <a16:creationId xmlns:a16="http://schemas.microsoft.com/office/drawing/2014/main" id="{03493042-59F9-758F-63FD-D905482F5A90}"/>
+                <a16:creationId xmlns:a16="http://schemas.microsoft.com/office/drawing/2014/main" id="{AB052475-74BA-3738-B41C-332AAEC22DAF}"/>
               </a:ext>
             </a:extLst>
           </p:cNvPr>
@@ -10481,10 +10553,10 @@
       </p:sp>
       <p:sp>
         <p:nvSpPr>
-          <p:cNvPr id="8" name="Textfeld 7">
+          <p:cNvPr id="10" name="Textfeld 9">
             <a:extLst>
               <a:ext uri="{FF2B5EF4-FFF2-40B4-BE49-F238E27FC236}">
-                <a16:creationId xmlns:a16="http://schemas.microsoft.com/office/drawing/2014/main" id="{0D514E63-125A-3336-1788-D4AC7FAFFF22}"/>
+                <a16:creationId xmlns:a16="http://schemas.microsoft.com/office/drawing/2014/main" id="{D7FDAA47-8D10-039B-A05B-ED4FEE16CD6E}"/>
               </a:ext>
             </a:extLst>
           </p:cNvPr>
@@ -10494,7 +10566,7 @@
         <p:spPr>
           <a:xfrm>
             <a:off x="838201" y="1931763"/>
-            <a:ext cx="2860040" cy="1200329"/>
+            <a:ext cx="3611880" cy="830997"/>
           </a:xfrm>
           <a:prstGeom prst="rect">
             <a:avLst/>
@@ -10541,87 +10613,15 @@
             </a:r>
             <a:r>
               <a:rPr lang="de-CH" sz="2400" dirty="0"/>
-              <a:t>: N = 30</a:t>
+              <a:t>: N = 50</a:t>
             </a:r>
           </a:p>
         </p:txBody>
       </p:sp>
-      <p:pic>
-        <p:nvPicPr>
-          <p:cNvPr id="16" name="Grafik 15" descr="Ein Bild, das Text, Screenshot, Schrift, Diagramm enthält.&#10;&#10;KI-generierte Inhalte können fehlerhaft sein.">
-            <a:extLst>
-              <a:ext uri="{FF2B5EF4-FFF2-40B4-BE49-F238E27FC236}">
-                <a16:creationId xmlns:a16="http://schemas.microsoft.com/office/drawing/2014/main" id="{1CF1B61E-9E85-A7F5-0FA4-6FA0435C6607}"/>
-              </a:ext>
-            </a:extLst>
-          </p:cNvPr>
-          <p:cNvPicPr>
-            <a:picLocks noChangeAspect="1"/>
-          </p:cNvPicPr>
-          <p:nvPr/>
-        </p:nvPicPr>
-        <p:blipFill>
-          <a:blip r:embed="rId3">
-            <a:extLst>
-              <a:ext uri="{28A0092B-C50C-407E-A947-70E740481C1C}">
-                <a14:useLocalDpi xmlns:a14="http://schemas.microsoft.com/office/drawing/2010/main" val="0"/>
-              </a:ext>
-            </a:extLst>
-          </a:blip>
-          <a:stretch>
-            <a:fillRect/>
-          </a:stretch>
-        </p:blipFill>
-        <p:spPr>
-          <a:xfrm>
-            <a:off x="0" y="3312161"/>
-            <a:ext cx="4227733" cy="3545840"/>
-          </a:xfrm>
-          <a:prstGeom prst="rect">
-            <a:avLst/>
-          </a:prstGeom>
-        </p:spPr>
-      </p:pic>
-      <p:pic>
-        <p:nvPicPr>
-          <p:cNvPr id="12" name="Grafik 11" descr="Ein Bild, das Text, Screenshot, Diagramm, Schrift enthält.&#10;&#10;KI-generierte Inhalte können fehlerhaft sein.">
-            <a:extLst>
-              <a:ext uri="{FF2B5EF4-FFF2-40B4-BE49-F238E27FC236}">
-                <a16:creationId xmlns:a16="http://schemas.microsoft.com/office/drawing/2014/main" id="{0C2DE09A-9A31-12A2-1F69-ACD721E6B79D}"/>
-              </a:ext>
-            </a:extLst>
-          </p:cNvPr>
-          <p:cNvPicPr>
-            <a:picLocks noChangeAspect="1"/>
-          </p:cNvPicPr>
-          <p:nvPr/>
-        </p:nvPicPr>
-        <p:blipFill>
-          <a:blip r:embed="rId4">
-            <a:extLst>
-              <a:ext uri="{28A0092B-C50C-407E-A947-70E740481C1C}">
-                <a14:useLocalDpi xmlns:a14="http://schemas.microsoft.com/office/drawing/2010/main" val="0"/>
-              </a:ext>
-            </a:extLst>
-          </a:blip>
-          <a:stretch>
-            <a:fillRect/>
-          </a:stretch>
-        </p:blipFill>
-        <p:spPr>
-          <a:xfrm>
-            <a:off x="7964266" y="3312159"/>
-            <a:ext cx="4227733" cy="3545841"/>
-          </a:xfrm>
-          <a:prstGeom prst="rect">
-            <a:avLst/>
-          </a:prstGeom>
-        </p:spPr>
-      </p:pic>
     </p:spTree>
     <p:extLst>
       <p:ext uri="{BB962C8B-B14F-4D97-AF65-F5344CB8AC3E}">
-        <p14:creationId xmlns:p14="http://schemas.microsoft.com/office/powerpoint/2010/main" val="4126068761"/>
+        <p14:creationId xmlns:p14="http://schemas.microsoft.com/office/powerpoint/2010/main" val="788690148"/>
       </p:ext>
     </p:extLst>
   </p:cSld>
@@ -10650,34 +10650,30 @@
       </p:grpSpPr>
       <p:pic>
         <p:nvPicPr>
-          <p:cNvPr id="8" name="Grafik 7" descr="Ein Bild, das Text, Screenshot, Diagramm, Reihe enthält.&#10;&#10;KI-generierte Inhalte können fehlerhaft sein.">
+          <p:cNvPr id="5" name="Content Placeholder 4">
             <a:extLst>
               <a:ext uri="{FF2B5EF4-FFF2-40B4-BE49-F238E27FC236}">
-                <a16:creationId xmlns:a16="http://schemas.microsoft.com/office/drawing/2014/main" id="{5826D9C8-40EE-E2DF-3ECB-1D159335CC42}"/>
+                <a16:creationId xmlns:a16="http://schemas.microsoft.com/office/drawing/2014/main" id="{56484558-BBEA-533D-DFD2-5C398EE64271}"/>
               </a:ext>
             </a:extLst>
           </p:cNvPr>
           <p:cNvPicPr>
-            <a:picLocks noChangeAspect="1"/>
+            <a:picLocks noGrp="1" noChangeAspect="1"/>
           </p:cNvPicPr>
-          <p:nvPr/>
+          <p:nvPr>
+            <p:ph idx="1"/>
+          </p:nvPr>
         </p:nvPicPr>
         <p:blipFill>
-          <a:blip r:embed="rId2">
-            <a:extLst>
-              <a:ext uri="{28A0092B-C50C-407E-A947-70E740481C1C}">
-                <a14:useLocalDpi xmlns:a14="http://schemas.microsoft.com/office/drawing/2010/main" val="0"/>
-              </a:ext>
-            </a:extLst>
-          </a:blip>
+          <a:blip r:embed="rId2"/>
           <a:stretch>
             <a:fillRect/>
           </a:stretch>
         </p:blipFill>
         <p:spPr>
           <a:xfrm>
-            <a:off x="1" y="3287580"/>
-            <a:ext cx="4257039" cy="3570420"/>
+            <a:off x="643467" y="1800874"/>
+            <a:ext cx="5294716" cy="3256249"/>
           </a:xfrm>
           <a:prstGeom prst="rect">
             <a:avLst/>
@@ -10686,10 +10682,10 @@
       </p:pic>
       <p:pic>
         <p:nvPicPr>
-          <p:cNvPr id="12" name="Grafik 11" descr="Ein Bild, das Text, Diagramm, Screenshot, Reihe enthält.&#10;&#10;KI-generierte Inhalte können fehlerhaft sein.">
+          <p:cNvPr id="7" name="Picture 6">
             <a:extLst>
               <a:ext uri="{FF2B5EF4-FFF2-40B4-BE49-F238E27FC236}">
-                <a16:creationId xmlns:a16="http://schemas.microsoft.com/office/drawing/2014/main" id="{E1E9B559-AD7C-093F-0D20-535A35961994}"/>
+                <a16:creationId xmlns:a16="http://schemas.microsoft.com/office/drawing/2014/main" id="{DD0EDA03-4C8D-C25F-D8F7-E05AC65357D8}"/>
               </a:ext>
             </a:extLst>
           </p:cNvPr>
@@ -10699,57 +10695,15 @@
           <p:nvPr/>
         </p:nvPicPr>
         <p:blipFill>
-          <a:blip r:embed="rId3">
-            <a:extLst>
-              <a:ext uri="{28A0092B-C50C-407E-A947-70E740481C1C}">
-                <a14:useLocalDpi xmlns:a14="http://schemas.microsoft.com/office/drawing/2010/main" val="0"/>
-              </a:ext>
-            </a:extLst>
-          </a:blip>
+          <a:blip r:embed="rId3"/>
           <a:stretch>
             <a:fillRect/>
           </a:stretch>
         </p:blipFill>
         <p:spPr>
           <a:xfrm>
-            <a:off x="7731760" y="3117154"/>
-            <a:ext cx="4460240" cy="3740846"/>
-          </a:xfrm>
-          <a:prstGeom prst="rect">
-            <a:avLst/>
-          </a:prstGeom>
-        </p:spPr>
-      </p:pic>
-      <p:pic>
-        <p:nvPicPr>
-          <p:cNvPr id="14" name="Grafik 13" descr="Ein Bild, das Text, Screenshot, Schrift, Diagramm enthält.&#10;&#10;KI-generierte Inhalte können fehlerhaft sein.">
-            <a:extLst>
-              <a:ext uri="{FF2B5EF4-FFF2-40B4-BE49-F238E27FC236}">
-                <a16:creationId xmlns:a16="http://schemas.microsoft.com/office/drawing/2014/main" id="{877F9DB5-3919-82D2-72C7-66A3E003D38B}"/>
-              </a:ext>
-            </a:extLst>
-          </p:cNvPr>
-          <p:cNvPicPr>
-            <a:picLocks noChangeAspect="1"/>
-          </p:cNvPicPr>
-          <p:nvPr/>
-        </p:nvPicPr>
-        <p:blipFill>
-          <a:blip r:embed="rId4">
-            <a:extLst>
-              <a:ext uri="{28A0092B-C50C-407E-A947-70E740481C1C}">
-                <a14:useLocalDpi xmlns:a14="http://schemas.microsoft.com/office/drawing/2010/main" val="0"/>
-              </a:ext>
-            </a:extLst>
-          </a:blip>
-          <a:stretch>
-            <a:fillRect/>
-          </a:stretch>
-        </p:blipFill>
-        <p:spPr>
-          <a:xfrm>
-            <a:off x="3936796" y="1287913"/>
-            <a:ext cx="4133312" cy="3466649"/>
+            <a:off x="6253817" y="1787639"/>
+            <a:ext cx="5294715" cy="3282722"/>
           </a:xfrm>
           <a:prstGeom prst="rect">
             <a:avLst/>
@@ -10758,75 +10712,10 @@
       </p:pic>
       <p:sp>
         <p:nvSpPr>
-          <p:cNvPr id="2" name="Titel 1">
+          <p:cNvPr id="9" name="TextBox 8">
             <a:extLst>
               <a:ext uri="{FF2B5EF4-FFF2-40B4-BE49-F238E27FC236}">
-                <a16:creationId xmlns:a16="http://schemas.microsoft.com/office/drawing/2014/main" id="{AB052475-74BA-3738-B41C-332AAEC22DAF}"/>
-              </a:ext>
-            </a:extLst>
-          </p:cNvPr>
-          <p:cNvSpPr>
-            <a:spLocks noGrp="1"/>
-          </p:cNvSpPr>
-          <p:nvPr>
-            <p:ph type="title"/>
-          </p:nvPr>
-        </p:nvSpPr>
-        <p:spPr/>
-        <p:txBody>
-          <a:bodyPr/>
-          <a:lstStyle/>
-          <a:p>
-            <a:r>
-              <a:rPr lang="de-CH" dirty="0"/>
-              <a:t>Plot </a:t>
-            </a:r>
-            <a:r>
-              <a:rPr lang="de-CH" dirty="0" err="1"/>
-              <a:t>showing</a:t>
-            </a:r>
-            <a:r>
-              <a:rPr lang="de-CH" dirty="0"/>
-              <a:t> multiple </a:t>
-            </a:r>
-            <a:r>
-              <a:rPr lang="de-CH" dirty="0" err="1"/>
-              <a:t>populations</a:t>
-            </a:r>
-            <a:r>
-              <a:rPr lang="de-CH" dirty="0"/>
-              <a:t> </a:t>
-            </a:r>
-            <a:r>
-              <a:rPr lang="de-CH" dirty="0" err="1"/>
-              <a:t>over</a:t>
-            </a:r>
-            <a:r>
-              <a:rPr lang="de-CH" dirty="0"/>
-              <a:t> a </a:t>
-            </a:r>
-            <a:r>
-              <a:rPr lang="de-CH" dirty="0" err="1"/>
-              <a:t>thousand</a:t>
-            </a:r>
-            <a:r>
-              <a:rPr lang="de-CH" dirty="0"/>
-              <a:t> </a:t>
-            </a:r>
-            <a:r>
-              <a:rPr lang="de-CH" dirty="0" err="1"/>
-              <a:t>generations</a:t>
-            </a:r>
-            <a:endParaRPr lang="de-CH" dirty="0"/>
-          </a:p>
-        </p:txBody>
-      </p:sp>
-      <p:sp>
-        <p:nvSpPr>
-          <p:cNvPr id="10" name="Textfeld 9">
-            <a:extLst>
-              <a:ext uri="{FF2B5EF4-FFF2-40B4-BE49-F238E27FC236}">
-                <a16:creationId xmlns:a16="http://schemas.microsoft.com/office/drawing/2014/main" id="{D7FDAA47-8D10-039B-A05B-ED4FEE16CD6E}"/>
+                <a16:creationId xmlns:a16="http://schemas.microsoft.com/office/drawing/2014/main" id="{6A4A18E2-60E8-7904-6D2B-A7F2BA01B2C0}"/>
               </a:ext>
             </a:extLst>
           </p:cNvPr>
@@ -10835,8 +10724,8 @@
         </p:nvSpPr>
         <p:spPr>
           <a:xfrm>
-            <a:off x="838201" y="1931763"/>
-            <a:ext cx="3611880" cy="830997"/>
+            <a:off x="1850598" y="5639273"/>
+            <a:ext cx="8175169" cy="738664"/>
           </a:xfrm>
           <a:prstGeom prst="rect">
             <a:avLst/>
@@ -10844,46 +10733,18 @@
           <a:noFill/>
         </p:spPr>
         <p:txBody>
-          <a:bodyPr wrap="square" rtlCol="0">
+          <a:bodyPr wrap="square">
             <a:spAutoFit/>
           </a:bodyPr>
           <a:lstStyle/>
           <a:p>
             <a:r>
-              <a:rPr lang="de-CH" sz="2400" dirty="0"/>
-              <a:t>Initial </a:t>
-            </a:r>
-            <a:r>
-              <a:rPr lang="de-CH" sz="2400" dirty="0" err="1"/>
-              <a:t>populations</a:t>
-            </a:r>
-            <a:r>
-              <a:rPr lang="de-CH" sz="2400" dirty="0"/>
-              <a:t> </a:t>
-            </a:r>
-            <a:r>
-              <a:rPr lang="de-CH" sz="2400" dirty="0" err="1"/>
-              <a:t>for</a:t>
-            </a:r>
-            <a:r>
-              <a:rPr lang="de-CH" sz="2400" dirty="0"/>
-              <a:t> all </a:t>
-            </a:r>
-            <a:r>
-              <a:rPr lang="de-CH" sz="2400" dirty="0" err="1"/>
-              <a:t>four</a:t>
-            </a:r>
-            <a:r>
-              <a:rPr lang="de-CH" sz="2400" dirty="0"/>
-              <a:t> </a:t>
-            </a:r>
-            <a:r>
-              <a:rPr lang="de-CH" sz="2400" dirty="0" err="1"/>
-              <a:t>mutants</a:t>
-            </a:r>
-            <a:r>
-              <a:rPr lang="de-CH" sz="2400" dirty="0"/>
-              <a:t>: N = 50</a:t>
+              <a:rPr lang="de-CH" sz="1400" dirty="0" err="1"/>
+              <a:t>init_wd</a:t>
+            </a:r>
+            <a:r>
+              <a:rPr lang="de-CH" sz="1400" dirty="0"/>
+              <a:t> &lt;- 30init_wb &lt;- 30init_sd &lt;- 30init_sb &lt;- 30m_rate_wm &lt;- 0.001m_rate_sm &lt;- 0.005decay_rate_wm &lt;- 0.1decay_rate_sm &lt;- 0.2s_wm &lt;- 0.2s_sm &lt;- 0.3max_gen &lt;- 1000,no_replicates &lt;- 50</a:t>
             </a:r>
           </a:p>
         </p:txBody>
@@ -10891,7 +10752,7 @@
     </p:spTree>
     <p:extLst>
       <p:ext uri="{BB962C8B-B14F-4D97-AF65-F5344CB8AC3E}">
-        <p14:creationId xmlns:p14="http://schemas.microsoft.com/office/powerpoint/2010/main" val="788690148"/>
+        <p14:creationId xmlns:p14="http://schemas.microsoft.com/office/powerpoint/2010/main" val="1714171063"/>
       </p:ext>
     </p:extLst>
   </p:cSld>
@@ -10923,137 +10784,6 @@
           <p:cNvPr id="5" name="Content Placeholder 4">
             <a:extLst>
               <a:ext uri="{FF2B5EF4-FFF2-40B4-BE49-F238E27FC236}">
-                <a16:creationId xmlns:a16="http://schemas.microsoft.com/office/drawing/2014/main" id="{56484558-BBEA-533D-DFD2-5C398EE64271}"/>
-              </a:ext>
-            </a:extLst>
-          </p:cNvPr>
-          <p:cNvPicPr>
-            <a:picLocks noGrp="1" noChangeAspect="1"/>
-          </p:cNvPicPr>
-          <p:nvPr>
-            <p:ph idx="1"/>
-          </p:nvPr>
-        </p:nvPicPr>
-        <p:blipFill>
-          <a:blip r:embed="rId2"/>
-          <a:stretch>
-            <a:fillRect/>
-          </a:stretch>
-        </p:blipFill>
-        <p:spPr>
-          <a:xfrm>
-            <a:off x="643467" y="1800874"/>
-            <a:ext cx="5294716" cy="3256249"/>
-          </a:xfrm>
-          <a:prstGeom prst="rect">
-            <a:avLst/>
-          </a:prstGeom>
-        </p:spPr>
-      </p:pic>
-      <p:pic>
-        <p:nvPicPr>
-          <p:cNvPr id="7" name="Picture 6">
-            <a:extLst>
-              <a:ext uri="{FF2B5EF4-FFF2-40B4-BE49-F238E27FC236}">
-                <a16:creationId xmlns:a16="http://schemas.microsoft.com/office/drawing/2014/main" id="{DD0EDA03-4C8D-C25F-D8F7-E05AC65357D8}"/>
-              </a:ext>
-            </a:extLst>
-          </p:cNvPr>
-          <p:cNvPicPr>
-            <a:picLocks noChangeAspect="1"/>
-          </p:cNvPicPr>
-          <p:nvPr/>
-        </p:nvPicPr>
-        <p:blipFill>
-          <a:blip r:embed="rId3"/>
-          <a:stretch>
-            <a:fillRect/>
-          </a:stretch>
-        </p:blipFill>
-        <p:spPr>
-          <a:xfrm>
-            <a:off x="6253817" y="1787639"/>
-            <a:ext cx="5294715" cy="3282722"/>
-          </a:xfrm>
-          <a:prstGeom prst="rect">
-            <a:avLst/>
-          </a:prstGeom>
-        </p:spPr>
-      </p:pic>
-      <p:sp>
-        <p:nvSpPr>
-          <p:cNvPr id="9" name="TextBox 8">
-            <a:extLst>
-              <a:ext uri="{FF2B5EF4-FFF2-40B4-BE49-F238E27FC236}">
-                <a16:creationId xmlns:a16="http://schemas.microsoft.com/office/drawing/2014/main" id="{6A4A18E2-60E8-7904-6D2B-A7F2BA01B2C0}"/>
-              </a:ext>
-            </a:extLst>
-          </p:cNvPr>
-          <p:cNvSpPr txBox="1"/>
-          <p:nvPr/>
-        </p:nvSpPr>
-        <p:spPr>
-          <a:xfrm>
-            <a:off x="1850598" y="5639273"/>
-            <a:ext cx="8175169" cy="738664"/>
-          </a:xfrm>
-          <a:prstGeom prst="rect">
-            <a:avLst/>
-          </a:prstGeom>
-          <a:noFill/>
-        </p:spPr>
-        <p:txBody>
-          <a:bodyPr wrap="square">
-            <a:spAutoFit/>
-          </a:bodyPr>
-          <a:lstStyle/>
-          <a:p>
-            <a:r>
-              <a:rPr lang="de-CH" sz="1400" dirty="0" err="1"/>
-              <a:t>init_wd</a:t>
-            </a:r>
-            <a:r>
-              <a:rPr lang="de-CH" sz="1400" dirty="0"/>
-              <a:t> &lt;- 30init_wb &lt;- 30init_sd &lt;- 30init_sb &lt;- 30m_rate_wm &lt;- 0.001m_rate_sm &lt;- 0.005decay_rate_wm &lt;- 0.1decay_rate_sm &lt;- 0.2s_wm &lt;- 0.2s_sm &lt;- 0.3max_gen &lt;- 1000,no_replicates &lt;- 50</a:t>
-            </a:r>
-          </a:p>
-        </p:txBody>
-      </p:sp>
-    </p:spTree>
-    <p:extLst>
-      <p:ext uri="{BB962C8B-B14F-4D97-AF65-F5344CB8AC3E}">
-        <p14:creationId xmlns:p14="http://schemas.microsoft.com/office/powerpoint/2010/main" val="1714171063"/>
-      </p:ext>
-    </p:extLst>
-  </p:cSld>
-  <p:clrMapOvr>
-    <a:masterClrMapping/>
-  </p:clrMapOvr>
-</p:sld>
-</file>
-
-<file path=ppt/slides/slide13.xml><?xml version="1.0" encoding="utf-8"?>
-<p:sld xmlns:a="http://schemas.openxmlformats.org/drawingml/2006/main" xmlns:r="http://schemas.openxmlformats.org/officeDocument/2006/relationships" xmlns:p="http://schemas.openxmlformats.org/presentationml/2006/main">
-  <p:cSld>
-    <p:spTree>
-      <p:nvGrpSpPr>
-        <p:cNvPr id="1" name=""/>
-        <p:cNvGrpSpPr/>
-        <p:nvPr/>
-      </p:nvGrpSpPr>
-      <p:grpSpPr>
-        <a:xfrm>
-          <a:off x="0" y="0"/>
-          <a:ext cx="0" cy="0"/>
-          <a:chOff x="0" y="0"/>
-          <a:chExt cx="0" cy="0"/>
-        </a:xfrm>
-      </p:grpSpPr>
-      <p:pic>
-        <p:nvPicPr>
-          <p:cNvPr id="5" name="Content Placeholder 4">
-            <a:extLst>
-              <a:ext uri="{FF2B5EF4-FFF2-40B4-BE49-F238E27FC236}">
                 <a16:creationId xmlns:a16="http://schemas.microsoft.com/office/drawing/2014/main" id="{442F3483-4C3C-05F3-ED6F-2DDDB64A0AAA}"/>
               </a:ext>
             </a:extLst>
@@ -11154,6 +10884,362 @@
     <p:extLst>
       <p:ext uri="{BB962C8B-B14F-4D97-AF65-F5344CB8AC3E}">
         <p14:creationId xmlns:p14="http://schemas.microsoft.com/office/powerpoint/2010/main" val="2544409277"/>
+      </p:ext>
+    </p:extLst>
+  </p:cSld>
+  <p:clrMapOvr>
+    <a:masterClrMapping/>
+  </p:clrMapOvr>
+</p:sld>
+</file>
+
+<file path=ppt/slides/slide13.xml><?xml version="1.0" encoding="utf-8"?>
+<p:sld xmlns:a="http://schemas.openxmlformats.org/drawingml/2006/main" xmlns:r="http://schemas.openxmlformats.org/officeDocument/2006/relationships" xmlns:p="http://schemas.openxmlformats.org/presentationml/2006/main">
+  <p:cSld>
+    <p:bg>
+      <p:bgPr>
+        <a:solidFill>
+          <a:schemeClr val="bg1"/>
+        </a:solidFill>
+        <a:effectLst/>
+      </p:bgPr>
+    </p:bg>
+    <p:spTree>
+      <p:nvGrpSpPr>
+        <p:cNvPr id="1" name=""/>
+        <p:cNvGrpSpPr/>
+        <p:nvPr/>
+      </p:nvGrpSpPr>
+      <p:grpSpPr>
+        <a:xfrm>
+          <a:off x="0" y="0"/>
+          <a:ext cx="0" cy="0"/>
+          <a:chOff x="0" y="0"/>
+          <a:chExt cx="0" cy="0"/>
+        </a:xfrm>
+      </p:grpSpPr>
+      <p:pic>
+        <p:nvPicPr>
+          <p:cNvPr id="11" name="Picture 10">
+            <a:extLst>
+              <a:ext uri="{FF2B5EF4-FFF2-40B4-BE49-F238E27FC236}">
+                <a16:creationId xmlns:a16="http://schemas.microsoft.com/office/drawing/2014/main" id="{591EB2BD-D872-37C5-CA49-463AB2EFC65B}"/>
+              </a:ext>
+            </a:extLst>
+          </p:cNvPr>
+          <p:cNvPicPr>
+            <a:picLocks noChangeAspect="1"/>
+          </p:cNvPicPr>
+          <p:nvPr/>
+        </p:nvPicPr>
+        <p:blipFill>
+          <a:blip r:embed="rId2"/>
+          <a:stretch>
+            <a:fillRect/>
+          </a:stretch>
+        </p:blipFill>
+        <p:spPr>
+          <a:xfrm>
+            <a:off x="7022885" y="3525673"/>
+            <a:ext cx="4453533" cy="3251079"/>
+          </a:xfrm>
+          <a:prstGeom prst="rect">
+            <a:avLst/>
+          </a:prstGeom>
+        </p:spPr>
+      </p:pic>
+      <p:sp>
+        <p:nvSpPr>
+          <p:cNvPr id="19" name="Rectangle 18">
+            <a:extLst>
+              <a:ext uri="{FF2B5EF4-FFF2-40B4-BE49-F238E27FC236}">
+                <a16:creationId xmlns:a16="http://schemas.microsoft.com/office/drawing/2014/main" id="{417CDA24-35F8-4540-8C52-3096D6D94949}"/>
+              </a:ext>
+              <a:ext uri="{C183D7F6-B498-43B3-948B-1728B52AA6E4}">
+                <adec:decorative xmlns:adec="http://schemas.microsoft.com/office/drawing/2017/decorative" val="1"/>
+              </a:ext>
+            </a:extLst>
+          </p:cNvPr>
+          <p:cNvSpPr>
+            <a:spLocks noGrp="1" noRot="1" noChangeAspect="1" noMove="1" noResize="1" noEditPoints="1" noAdjustHandles="1" noChangeArrowheads="1" noChangeShapeType="1" noTextEdit="1"/>
+          </p:cNvSpPr>
+          <p:nvPr>
+            <p:extLst>
+              <p:ext uri="{386F3935-93C4-4BCD-93E2-E3B085C9AB24}">
+                <p16:designElem xmlns:p16="http://schemas.microsoft.com/office/powerpoint/2015/main" val="1"/>
+              </p:ext>
+            </p:extLst>
+          </p:nvPr>
+        </p:nvSpPr>
+        <p:spPr>
+          <a:xfrm>
+            <a:off x="6050280" y="0"/>
+            <a:ext cx="91440" cy="6858000"/>
+          </a:xfrm>
+          <a:prstGeom prst="rect">
+            <a:avLst/>
+          </a:prstGeom>
+          <a:solidFill>
+            <a:schemeClr val="tx1">
+              <a:lumMod val="75000"/>
+              <a:lumOff val="25000"/>
+            </a:schemeClr>
+          </a:solidFill>
+          <a:ln>
+            <a:noFill/>
+          </a:ln>
+        </p:spPr>
+        <p:style>
+          <a:lnRef idx="2">
+            <a:schemeClr val="accent1">
+              <a:shade val="50000"/>
+            </a:schemeClr>
+          </a:lnRef>
+          <a:fillRef idx="1">
+            <a:schemeClr val="accent1"/>
+          </a:fillRef>
+          <a:effectRef idx="0">
+            <a:schemeClr val="accent1"/>
+          </a:effectRef>
+          <a:fontRef idx="minor">
+            <a:schemeClr val="lt1"/>
+          </a:fontRef>
+        </p:style>
+        <p:txBody>
+          <a:bodyPr rtlCol="0" anchor="ctr"/>
+          <a:lstStyle/>
+          <a:p>
+            <a:pPr algn="ctr"/>
+            <a:endParaRPr lang="en-US"/>
+          </a:p>
+        </p:txBody>
+      </p:sp>
+      <p:pic>
+        <p:nvPicPr>
+          <p:cNvPr id="5" name="Picture 4">
+            <a:extLst>
+              <a:ext uri="{FF2B5EF4-FFF2-40B4-BE49-F238E27FC236}">
+                <a16:creationId xmlns:a16="http://schemas.microsoft.com/office/drawing/2014/main" id="{AA32F8ED-B5C0-05F3-7F17-D4A8D0A3121D}"/>
+              </a:ext>
+            </a:extLst>
+          </p:cNvPr>
+          <p:cNvPicPr>
+            <a:picLocks noChangeAspect="1"/>
+          </p:cNvPicPr>
+          <p:nvPr/>
+        </p:nvPicPr>
+        <p:blipFill>
+          <a:blip r:embed="rId3"/>
+          <a:stretch>
+            <a:fillRect/>
+          </a:stretch>
+        </p:blipFill>
+        <p:spPr>
+          <a:xfrm>
+            <a:off x="906786" y="126355"/>
+            <a:ext cx="4147170" cy="3245160"/>
+          </a:xfrm>
+          <a:prstGeom prst="rect">
+            <a:avLst/>
+          </a:prstGeom>
+        </p:spPr>
+      </p:pic>
+      <p:sp>
+        <p:nvSpPr>
+          <p:cNvPr id="18" name="Rectangle 17">
+            <a:extLst>
+              <a:ext uri="{FF2B5EF4-FFF2-40B4-BE49-F238E27FC236}">
+                <a16:creationId xmlns:a16="http://schemas.microsoft.com/office/drawing/2014/main" id="{8658BFE0-4E65-4174-9C75-687C94E88273}"/>
+              </a:ext>
+              <a:ext uri="{C183D7F6-B498-43B3-948B-1728B52AA6E4}">
+                <adec:decorative xmlns:adec="http://schemas.microsoft.com/office/drawing/2017/decorative" val="1"/>
+              </a:ext>
+            </a:extLst>
+          </p:cNvPr>
+          <p:cNvSpPr>
+            <a:spLocks noGrp="1" noRot="1" noChangeAspect="1" noMove="1" noResize="1" noEditPoints="1" noAdjustHandles="1" noChangeArrowheads="1" noChangeShapeType="1" noTextEdit="1"/>
+          </p:cNvSpPr>
+          <p:nvPr>
+            <p:extLst>
+              <p:ext uri="{386F3935-93C4-4BCD-93E2-E3B085C9AB24}">
+                <p16:designElem xmlns:p16="http://schemas.microsoft.com/office/powerpoint/2015/main" val="1"/>
+              </p:ext>
+            </p:extLst>
+          </p:nvPr>
+        </p:nvSpPr>
+        <p:spPr>
+          <a:xfrm>
+            <a:off x="0" y="3383280"/>
+            <a:ext cx="6126480" cy="91440"/>
+          </a:xfrm>
+          <a:prstGeom prst="rect">
+            <a:avLst/>
+          </a:prstGeom>
+          <a:solidFill>
+            <a:schemeClr val="tx1">
+              <a:lumMod val="75000"/>
+              <a:lumOff val="25000"/>
+            </a:schemeClr>
+          </a:solidFill>
+          <a:ln>
+            <a:noFill/>
+          </a:ln>
+        </p:spPr>
+        <p:style>
+          <a:lnRef idx="2">
+            <a:schemeClr val="accent1">
+              <a:shade val="50000"/>
+            </a:schemeClr>
+          </a:lnRef>
+          <a:fillRef idx="1">
+            <a:schemeClr val="accent1"/>
+          </a:fillRef>
+          <a:effectRef idx="0">
+            <a:schemeClr val="accent1"/>
+          </a:effectRef>
+          <a:fontRef idx="minor">
+            <a:schemeClr val="lt1"/>
+          </a:fontRef>
+        </p:style>
+        <p:txBody>
+          <a:bodyPr rtlCol="0" anchor="ctr"/>
+          <a:lstStyle/>
+          <a:p>
+            <a:pPr algn="ctr"/>
+            <a:endParaRPr lang="en-US"/>
+          </a:p>
+        </p:txBody>
+      </p:sp>
+      <p:sp>
+        <p:nvSpPr>
+          <p:cNvPr id="20" name="Rectangle 19">
+            <a:extLst>
+              <a:ext uri="{FF2B5EF4-FFF2-40B4-BE49-F238E27FC236}">
+                <a16:creationId xmlns:a16="http://schemas.microsoft.com/office/drawing/2014/main" id="{FA75DFED-A0C1-4A83-BE1D-0271C1826EF6}"/>
+              </a:ext>
+              <a:ext uri="{C183D7F6-B498-43B3-948B-1728B52AA6E4}">
+                <adec:decorative xmlns:adec="http://schemas.microsoft.com/office/drawing/2017/decorative" val="1"/>
+              </a:ext>
+            </a:extLst>
+          </p:cNvPr>
+          <p:cNvSpPr>
+            <a:spLocks noGrp="1" noRot="1" noChangeAspect="1" noMove="1" noResize="1" noEditPoints="1" noAdjustHandles="1" noChangeArrowheads="1" noChangeShapeType="1" noTextEdit="1"/>
+          </p:cNvSpPr>
+          <p:nvPr>
+            <p:extLst>
+              <p:ext uri="{386F3935-93C4-4BCD-93E2-E3B085C9AB24}">
+                <p16:designElem xmlns:p16="http://schemas.microsoft.com/office/powerpoint/2015/main" val="1"/>
+              </p:ext>
+            </p:extLst>
+          </p:nvPr>
+        </p:nvSpPr>
+        <p:spPr>
+          <a:xfrm>
+            <a:off x="6065520" y="3383280"/>
+            <a:ext cx="6126480" cy="91440"/>
+          </a:xfrm>
+          <a:prstGeom prst="rect">
+            <a:avLst/>
+          </a:prstGeom>
+          <a:solidFill>
+            <a:schemeClr val="tx1">
+              <a:lumMod val="75000"/>
+              <a:lumOff val="25000"/>
+            </a:schemeClr>
+          </a:solidFill>
+          <a:ln>
+            <a:noFill/>
+          </a:ln>
+        </p:spPr>
+        <p:style>
+          <a:lnRef idx="2">
+            <a:schemeClr val="accent1">
+              <a:shade val="50000"/>
+            </a:schemeClr>
+          </a:lnRef>
+          <a:fillRef idx="1">
+            <a:schemeClr val="accent1"/>
+          </a:fillRef>
+          <a:effectRef idx="0">
+            <a:schemeClr val="accent1"/>
+          </a:effectRef>
+          <a:fontRef idx="minor">
+            <a:schemeClr val="lt1"/>
+          </a:fontRef>
+        </p:style>
+        <p:txBody>
+          <a:bodyPr rtlCol="0" anchor="ctr"/>
+          <a:lstStyle/>
+          <a:p>
+            <a:pPr algn="ctr"/>
+            <a:endParaRPr lang="en-US"/>
+          </a:p>
+        </p:txBody>
+      </p:sp>
+      <p:pic>
+        <p:nvPicPr>
+          <p:cNvPr id="7" name="Picture 6">
+            <a:extLst>
+              <a:ext uri="{FF2B5EF4-FFF2-40B4-BE49-F238E27FC236}">
+                <a16:creationId xmlns:a16="http://schemas.microsoft.com/office/drawing/2014/main" id="{4DB0F3BC-5BB3-4FA8-84EE-7AB34CC58DCB}"/>
+              </a:ext>
+            </a:extLst>
+          </p:cNvPr>
+          <p:cNvPicPr>
+            <a:picLocks noChangeAspect="1"/>
+          </p:cNvPicPr>
+          <p:nvPr/>
+        </p:nvPicPr>
+        <p:blipFill>
+          <a:blip r:embed="rId4"/>
+          <a:stretch>
+            <a:fillRect/>
+          </a:stretch>
+        </p:blipFill>
+        <p:spPr>
+          <a:xfrm>
+            <a:off x="6965050" y="35997"/>
+            <a:ext cx="4569204" cy="3335518"/>
+          </a:xfrm>
+          <a:prstGeom prst="rect">
+            <a:avLst/>
+          </a:prstGeom>
+        </p:spPr>
+      </p:pic>
+      <p:pic>
+        <p:nvPicPr>
+          <p:cNvPr id="9" name="Picture 8">
+            <a:extLst>
+              <a:ext uri="{FF2B5EF4-FFF2-40B4-BE49-F238E27FC236}">
+                <a16:creationId xmlns:a16="http://schemas.microsoft.com/office/drawing/2014/main" id="{A46C3F18-DE9B-0A55-4889-9B8ED94DF332}"/>
+              </a:ext>
+            </a:extLst>
+          </p:cNvPr>
+          <p:cNvPicPr>
+            <a:picLocks noChangeAspect="1"/>
+          </p:cNvPicPr>
+          <p:nvPr/>
+        </p:nvPicPr>
+        <p:blipFill>
+          <a:blip r:embed="rId5"/>
+          <a:stretch>
+            <a:fillRect/>
+          </a:stretch>
+        </p:blipFill>
+        <p:spPr>
+          <a:xfrm>
+            <a:off x="906786" y="3696597"/>
+            <a:ext cx="4176482" cy="3080155"/>
+          </a:xfrm>
+          <a:prstGeom prst="rect">
+            <a:avLst/>
+          </a:prstGeom>
+        </p:spPr>
+      </p:pic>
+    </p:spTree>
+    <p:extLst>
+      <p:ext uri="{BB962C8B-B14F-4D97-AF65-F5344CB8AC3E}">
+        <p14:creationId xmlns:p14="http://schemas.microsoft.com/office/powerpoint/2010/main" val="1681305938"/>
       </p:ext>
     </p:extLst>
   </p:cSld>
@@ -11985,163 +12071,6 @@
           <a:chExt cx="0" cy="0"/>
         </a:xfrm>
       </p:grpSpPr>
-      <p:sp>
-        <p:nvSpPr>
-          <p:cNvPr id="2" name="Title 1">
-            <a:extLst>
-              <a:ext uri="{FF2B5EF4-FFF2-40B4-BE49-F238E27FC236}">
-                <a16:creationId xmlns:a16="http://schemas.microsoft.com/office/drawing/2014/main" id="{49FAAE0A-073C-CB24-C19F-6ABD930C92A8}"/>
-              </a:ext>
-            </a:extLst>
-          </p:cNvPr>
-          <p:cNvSpPr>
-            <a:spLocks noGrp="1"/>
-          </p:cNvSpPr>
-          <p:nvPr>
-            <p:ph type="title"/>
-          </p:nvPr>
-        </p:nvSpPr>
-        <p:spPr/>
-        <p:txBody>
-          <a:bodyPr/>
-          <a:lstStyle/>
-          <a:p>
-            <a:r>
-              <a:rPr lang="en-GB" dirty="0"/>
-              <a:t>Plot-choices in our model</a:t>
-            </a:r>
-            <a:endParaRPr lang="de-CH" dirty="0"/>
-          </a:p>
-        </p:txBody>
-      </p:sp>
-      <p:sp>
-        <p:nvSpPr>
-          <p:cNvPr id="3" name="Content Placeholder 2">
-            <a:extLst>
-              <a:ext uri="{FF2B5EF4-FFF2-40B4-BE49-F238E27FC236}">
-                <a16:creationId xmlns:a16="http://schemas.microsoft.com/office/drawing/2014/main" id="{60BA0FFC-2D2C-9C6B-D673-32CD703BB578}"/>
-              </a:ext>
-            </a:extLst>
-          </p:cNvPr>
-          <p:cNvSpPr>
-            <a:spLocks noGrp="1"/>
-          </p:cNvSpPr>
-          <p:nvPr>
-            <p:ph idx="1"/>
-          </p:nvPr>
-        </p:nvSpPr>
-        <p:spPr>
-          <a:xfrm>
-            <a:off x="838200" y="1491916"/>
-            <a:ext cx="10515600" cy="5366084"/>
-          </a:xfrm>
-        </p:spPr>
-        <p:txBody>
-          <a:bodyPr>
-            <a:normAutofit/>
-          </a:bodyPr>
-          <a:lstStyle/>
-          <a:p>
-            <a:pPr lvl="0"/>
-            <a:r>
-              <a:rPr lang="en-GB" dirty="0"/>
-              <a:t>Mainly: package ggplot2</a:t>
-            </a:r>
-            <a:endParaRPr lang="de-CH" dirty="0"/>
-          </a:p>
-          <a:p>
-            <a:pPr lvl="0"/>
-            <a:r>
-              <a:rPr lang="en-GB" dirty="0"/>
-              <a:t>Scatterplots to visualize the frequency of each mutation separately after </a:t>
-            </a:r>
-            <a:r>
-              <a:rPr lang="en-GB" dirty="0" err="1"/>
-              <a:t>max_gen</a:t>
-            </a:r>
-            <a:r>
-              <a:rPr lang="en-GB" dirty="0"/>
-              <a:t> (1000 generations) </a:t>
-            </a:r>
-            <a:endParaRPr lang="de-CH" dirty="0"/>
-          </a:p>
-          <a:p>
-            <a:pPr lvl="0"/>
-            <a:r>
-              <a:rPr lang="en-GB" dirty="0"/>
-              <a:t>Advantages: every replicate can be visualized; unexpected results are easier to interpret for us than with using boxplots</a:t>
-            </a:r>
-            <a:endParaRPr lang="de-CH" dirty="0"/>
-          </a:p>
-          <a:p>
-            <a:pPr lvl="0"/>
-            <a:r>
-              <a:rPr lang="en-GB" dirty="0" err="1"/>
-              <a:t>ggplot</a:t>
-            </a:r>
-            <a:r>
-              <a:rPr lang="en-GB" dirty="0"/>
-              <a:t>-boxplot to visualize the rescue probability depending on the selection coefficient for all 4 mutants </a:t>
-            </a:r>
-            <a:r>
-              <a:rPr lang="en-GB" dirty="0">
-                <a:sym typeface="Wingdings" panose="05000000000000000000" pitchFamily="2" charset="2"/>
-              </a:rPr>
-              <a:t></a:t>
-            </a:r>
-            <a:r>
-              <a:rPr lang="en-GB" dirty="0"/>
-              <a:t> in this case boxplot gave a better overview for us</a:t>
-            </a:r>
-            <a:endParaRPr lang="de-CH" dirty="0"/>
-          </a:p>
-          <a:p>
-            <a:pPr lvl="0"/>
-            <a:r>
-              <a:rPr lang="en-GB" dirty="0" err="1"/>
-              <a:t>ggplot</a:t>
-            </a:r>
-            <a:r>
-              <a:rPr lang="en-GB" dirty="0"/>
-              <a:t>-heatmap to be able to combine rescue probability, selection coefficients and mutation rates all in one plot </a:t>
-            </a:r>
-            <a:endParaRPr lang="de-CH" dirty="0"/>
-          </a:p>
-          <a:p>
-            <a:endParaRPr lang="de-CH" dirty="0"/>
-          </a:p>
-        </p:txBody>
-      </p:sp>
-    </p:spTree>
-    <p:extLst>
-      <p:ext uri="{BB962C8B-B14F-4D97-AF65-F5344CB8AC3E}">
-        <p14:creationId xmlns:p14="http://schemas.microsoft.com/office/powerpoint/2010/main" val="2365937612"/>
-      </p:ext>
-    </p:extLst>
-  </p:cSld>
-  <p:clrMapOvr>
-    <a:masterClrMapping/>
-  </p:clrMapOvr>
-</p:sld>
-</file>
-
-<file path=ppt/slides/slide7.xml><?xml version="1.0" encoding="utf-8"?>
-<p:sld xmlns:a="http://schemas.openxmlformats.org/drawingml/2006/main" xmlns:r="http://schemas.openxmlformats.org/officeDocument/2006/relationships" xmlns:p="http://schemas.openxmlformats.org/presentationml/2006/main">
-  <p:cSld>
-    <p:spTree>
-      <p:nvGrpSpPr>
-        <p:cNvPr id="1" name=""/>
-        <p:cNvGrpSpPr/>
-        <p:nvPr/>
-      </p:nvGrpSpPr>
-      <p:grpSpPr>
-        <a:xfrm>
-          <a:off x="0" y="0"/>
-          <a:ext cx="0" cy="0"/>
-          <a:chOff x="0" y="0"/>
-          <a:chExt cx="0" cy="0"/>
-        </a:xfrm>
-      </p:grpSpPr>
       <p:pic>
         <p:nvPicPr>
           <p:cNvPr id="8" name="Picture 7">
@@ -12215,6 +12144,275 @@
 </p:sld>
 </file>
 
+<file path=ppt/slides/slide7.xml><?xml version="1.0" encoding="utf-8"?>
+<p:sld xmlns:a="http://schemas.openxmlformats.org/drawingml/2006/main" xmlns:r="http://schemas.openxmlformats.org/officeDocument/2006/relationships" xmlns:p="http://schemas.openxmlformats.org/presentationml/2006/main">
+  <p:cSld>
+    <p:spTree>
+      <p:nvGrpSpPr>
+        <p:cNvPr id="1" name=""/>
+        <p:cNvGrpSpPr/>
+        <p:nvPr/>
+      </p:nvGrpSpPr>
+      <p:grpSpPr>
+        <a:xfrm>
+          <a:off x="0" y="0"/>
+          <a:ext cx="0" cy="0"/>
+          <a:chOff x="0" y="0"/>
+          <a:chExt cx="0" cy="0"/>
+        </a:xfrm>
+      </p:grpSpPr>
+      <p:sp>
+        <p:nvSpPr>
+          <p:cNvPr id="2" name="Titel 1">
+            <a:extLst>
+              <a:ext uri="{FF2B5EF4-FFF2-40B4-BE49-F238E27FC236}">
+                <a16:creationId xmlns:a16="http://schemas.microsoft.com/office/drawing/2014/main" id="{6E14644D-1FC8-F260-4A79-EB69FA2AF150}"/>
+              </a:ext>
+            </a:extLst>
+          </p:cNvPr>
+          <p:cNvSpPr>
+            <a:spLocks noGrp="1"/>
+          </p:cNvSpPr>
+          <p:nvPr>
+            <p:ph type="title"/>
+          </p:nvPr>
+        </p:nvSpPr>
+        <p:spPr/>
+        <p:txBody>
+          <a:bodyPr/>
+          <a:lstStyle/>
+          <a:p>
+            <a:r>
+              <a:rPr lang="de-CH" dirty="0"/>
+              <a:t>Plot </a:t>
+            </a:r>
+            <a:r>
+              <a:rPr lang="de-CH" dirty="0" err="1"/>
+              <a:t>showing</a:t>
+            </a:r>
+            <a:r>
+              <a:rPr lang="de-CH" dirty="0"/>
+              <a:t> </a:t>
+            </a:r>
+            <a:r>
+              <a:rPr lang="de-CH" dirty="0" err="1"/>
+              <a:t>one</a:t>
+            </a:r>
+            <a:r>
+              <a:rPr lang="de-CH" dirty="0"/>
+              <a:t> </a:t>
+            </a:r>
+            <a:r>
+              <a:rPr lang="de-CH" dirty="0" err="1"/>
+              <a:t>population</a:t>
+            </a:r>
+            <a:r>
+              <a:rPr lang="de-CH" dirty="0"/>
+              <a:t> </a:t>
+            </a:r>
+            <a:r>
+              <a:rPr lang="de-CH" dirty="0" err="1"/>
+              <a:t>over</a:t>
+            </a:r>
+            <a:r>
+              <a:rPr lang="de-CH" dirty="0"/>
+              <a:t> multiple </a:t>
+            </a:r>
+            <a:r>
+              <a:rPr lang="de-CH" dirty="0" err="1"/>
+              <a:t>generations</a:t>
+            </a:r>
+            <a:endParaRPr lang="de-CH" dirty="0"/>
+          </a:p>
+        </p:txBody>
+      </p:sp>
+      <p:pic>
+        <p:nvPicPr>
+          <p:cNvPr id="7" name="Grafik 6">
+            <a:extLst>
+              <a:ext uri="{FF2B5EF4-FFF2-40B4-BE49-F238E27FC236}">
+                <a16:creationId xmlns:a16="http://schemas.microsoft.com/office/drawing/2014/main" id="{5BFBA0A0-986F-6CD4-7F83-DC042D4F7E8C}"/>
+              </a:ext>
+            </a:extLst>
+          </p:cNvPr>
+          <p:cNvPicPr>
+            <a:picLocks noChangeAspect="1"/>
+          </p:cNvPicPr>
+          <p:nvPr/>
+        </p:nvPicPr>
+        <p:blipFill>
+          <a:blip r:embed="rId2">
+            <a:extLst>
+              <a:ext uri="{28A0092B-C50C-407E-A947-70E740481C1C}">
+                <a14:useLocalDpi xmlns:a14="http://schemas.microsoft.com/office/drawing/2010/main" val="0"/>
+              </a:ext>
+            </a:extLst>
+          </a:blip>
+          <a:stretch>
+            <a:fillRect/>
+          </a:stretch>
+        </p:blipFill>
+        <p:spPr>
+          <a:xfrm>
+            <a:off x="3848304" y="901972"/>
+            <a:ext cx="4495391" cy="3770328"/>
+          </a:xfrm>
+          <a:prstGeom prst="rect">
+            <a:avLst/>
+          </a:prstGeom>
+        </p:spPr>
+      </p:pic>
+      <p:pic>
+        <p:nvPicPr>
+          <p:cNvPr id="5" name="Inhaltsplatzhalter 4" descr="Ein Bild, das Text, Diagramm, Reihe, Schrift enthält.&#10;&#10;KI-generierte Inhalte können fehlerhaft sein.">
+            <a:extLst>
+              <a:ext uri="{FF2B5EF4-FFF2-40B4-BE49-F238E27FC236}">
+                <a16:creationId xmlns:a16="http://schemas.microsoft.com/office/drawing/2014/main" id="{9F3D3B1C-B956-FC78-6247-98786858B2D4}"/>
+              </a:ext>
+            </a:extLst>
+          </p:cNvPr>
+          <p:cNvPicPr>
+            <a:picLocks noGrp="1" noChangeAspect="1"/>
+          </p:cNvPicPr>
+          <p:nvPr>
+            <p:ph idx="1"/>
+          </p:nvPr>
+        </p:nvPicPr>
+        <p:blipFill>
+          <a:blip r:embed="rId3">
+            <a:extLst>
+              <a:ext uri="{28A0092B-C50C-407E-A947-70E740481C1C}">
+                <a14:useLocalDpi xmlns:a14="http://schemas.microsoft.com/office/drawing/2010/main" val="0"/>
+              </a:ext>
+            </a:extLst>
+          </a:blip>
+          <a:stretch>
+            <a:fillRect/>
+          </a:stretch>
+        </p:blipFill>
+        <p:spPr>
+          <a:xfrm>
+            <a:off x="8006080" y="3347230"/>
+            <a:ext cx="4185919" cy="3510770"/>
+          </a:xfrm>
+        </p:spPr>
+      </p:pic>
+      <p:pic>
+        <p:nvPicPr>
+          <p:cNvPr id="9" name="Grafik 8" descr="Ein Bild, das Text, Diagramm, Screenshot, Schrift enthält.&#10;&#10;KI-generierte Inhalte können fehlerhaft sein.">
+            <a:extLst>
+              <a:ext uri="{FF2B5EF4-FFF2-40B4-BE49-F238E27FC236}">
+                <a16:creationId xmlns:a16="http://schemas.microsoft.com/office/drawing/2014/main" id="{8A8A826D-1322-785C-EEC7-C78077239A34}"/>
+              </a:ext>
+            </a:extLst>
+          </p:cNvPr>
+          <p:cNvPicPr>
+            <a:picLocks noChangeAspect="1"/>
+          </p:cNvPicPr>
+          <p:nvPr/>
+        </p:nvPicPr>
+        <p:blipFill>
+          <a:blip r:embed="rId4">
+            <a:extLst>
+              <a:ext uri="{28A0092B-C50C-407E-A947-70E740481C1C}">
+                <a14:useLocalDpi xmlns:a14="http://schemas.microsoft.com/office/drawing/2010/main" val="0"/>
+              </a:ext>
+            </a:extLst>
+          </a:blip>
+          <a:stretch>
+            <a:fillRect/>
+          </a:stretch>
+        </p:blipFill>
+        <p:spPr>
+          <a:xfrm>
+            <a:off x="1" y="3365044"/>
+            <a:ext cx="4071208" cy="3414562"/>
+          </a:xfrm>
+          <a:prstGeom prst="rect">
+            <a:avLst/>
+          </a:prstGeom>
+        </p:spPr>
+      </p:pic>
+      <p:sp>
+        <p:nvSpPr>
+          <p:cNvPr id="10" name="Textfeld 9">
+            <a:extLst>
+              <a:ext uri="{FF2B5EF4-FFF2-40B4-BE49-F238E27FC236}">
+                <a16:creationId xmlns:a16="http://schemas.microsoft.com/office/drawing/2014/main" id="{FE385058-2D25-45A4-0481-B32C3599EEA1}"/>
+              </a:ext>
+            </a:extLst>
+          </p:cNvPr>
+          <p:cNvSpPr txBox="1"/>
+          <p:nvPr/>
+        </p:nvSpPr>
+        <p:spPr>
+          <a:xfrm>
+            <a:off x="838199" y="1913343"/>
+            <a:ext cx="2860041" cy="1200329"/>
+          </a:xfrm>
+          <a:prstGeom prst="rect">
+            <a:avLst/>
+          </a:prstGeom>
+          <a:noFill/>
+        </p:spPr>
+        <p:txBody>
+          <a:bodyPr wrap="square" rtlCol="0">
+            <a:spAutoFit/>
+          </a:bodyPr>
+          <a:lstStyle/>
+          <a:p>
+            <a:r>
+              <a:rPr lang="de-CH" sz="2400" dirty="0"/>
+              <a:t>Initial </a:t>
+            </a:r>
+            <a:r>
+              <a:rPr lang="de-CH" sz="2400" dirty="0" err="1"/>
+              <a:t>populations</a:t>
+            </a:r>
+            <a:r>
+              <a:rPr lang="de-CH" sz="2400" dirty="0"/>
+              <a:t> </a:t>
+            </a:r>
+            <a:r>
+              <a:rPr lang="de-CH" sz="2400" dirty="0" err="1"/>
+              <a:t>for</a:t>
+            </a:r>
+            <a:r>
+              <a:rPr lang="de-CH" sz="2400" dirty="0"/>
+              <a:t> all </a:t>
+            </a:r>
+            <a:r>
+              <a:rPr lang="de-CH" sz="2400" dirty="0" err="1"/>
+              <a:t>four</a:t>
+            </a:r>
+            <a:r>
+              <a:rPr lang="de-CH" sz="2400" dirty="0"/>
+              <a:t> </a:t>
+            </a:r>
+            <a:r>
+              <a:rPr lang="de-CH" sz="2400" dirty="0" err="1"/>
+              <a:t>mutants</a:t>
+            </a:r>
+            <a:r>
+              <a:rPr lang="de-CH" sz="2400" dirty="0"/>
+              <a:t>: N = 30</a:t>
+            </a:r>
+          </a:p>
+        </p:txBody>
+      </p:sp>
+    </p:spTree>
+    <p:extLst>
+      <p:ext uri="{BB962C8B-B14F-4D97-AF65-F5344CB8AC3E}">
+        <p14:creationId xmlns:p14="http://schemas.microsoft.com/office/powerpoint/2010/main" val="2040584766"/>
+      </p:ext>
+    </p:extLst>
+  </p:cSld>
+  <p:clrMapOvr>
+    <a:masterClrMapping/>
+  </p:clrMapOvr>
+</p:sld>
+</file>
+
 <file path=ppt/slides/slide8.xml><?xml version="1.0" encoding="utf-8"?>
 <p:sld xmlns:a="http://schemas.openxmlformats.org/drawingml/2006/main" xmlns:r="http://schemas.openxmlformats.org/officeDocument/2006/relationships" xmlns:p="http://schemas.openxmlformats.org/presentationml/2006/main">
   <p:cSld>
@@ -12237,7 +12435,7 @@
           <p:cNvPr id="2" name="Titel 1">
             <a:extLst>
               <a:ext uri="{FF2B5EF4-FFF2-40B4-BE49-F238E27FC236}">
-                <a16:creationId xmlns:a16="http://schemas.microsoft.com/office/drawing/2014/main" id="{6E14644D-1FC8-F260-4A79-EB69FA2AF150}"/>
+                <a16:creationId xmlns:a16="http://schemas.microsoft.com/office/drawing/2014/main" id="{2BCBAAC2-B731-A0B9-E93A-88C7B19B44A5}"/>
               </a:ext>
             </a:extLst>
           </p:cNvPr>
@@ -12299,46 +12497,10 @@
       </p:sp>
       <p:pic>
         <p:nvPicPr>
-          <p:cNvPr id="7" name="Grafik 6">
+          <p:cNvPr id="5" name="Inhaltsplatzhalter 4" descr="Ein Bild, das Text, Screenshot, Schrift, Diagramm enthält.&#10;&#10;KI-generierte Inhalte können fehlerhaft sein.">
             <a:extLst>
               <a:ext uri="{FF2B5EF4-FFF2-40B4-BE49-F238E27FC236}">
-                <a16:creationId xmlns:a16="http://schemas.microsoft.com/office/drawing/2014/main" id="{5BFBA0A0-986F-6CD4-7F83-DC042D4F7E8C}"/>
-              </a:ext>
-            </a:extLst>
-          </p:cNvPr>
-          <p:cNvPicPr>
-            <a:picLocks noChangeAspect="1"/>
-          </p:cNvPicPr>
-          <p:nvPr/>
-        </p:nvPicPr>
-        <p:blipFill>
-          <a:blip r:embed="rId2">
-            <a:extLst>
-              <a:ext uri="{28A0092B-C50C-407E-A947-70E740481C1C}">
-                <a14:useLocalDpi xmlns:a14="http://schemas.microsoft.com/office/drawing/2010/main" val="0"/>
-              </a:ext>
-            </a:extLst>
-          </a:blip>
-          <a:stretch>
-            <a:fillRect/>
-          </a:stretch>
-        </p:blipFill>
-        <p:spPr>
-          <a:xfrm>
-            <a:off x="3848304" y="901972"/>
-            <a:ext cx="4495391" cy="3770328"/>
-          </a:xfrm>
-          <a:prstGeom prst="rect">
-            <a:avLst/>
-          </a:prstGeom>
-        </p:spPr>
-      </p:pic>
-      <p:pic>
-        <p:nvPicPr>
-          <p:cNvPr id="5" name="Inhaltsplatzhalter 4" descr="Ein Bild, das Text, Diagramm, Reihe, Schrift enthält.&#10;&#10;KI-generierte Inhalte können fehlerhaft sein.">
-            <a:extLst>
-              <a:ext uri="{FF2B5EF4-FFF2-40B4-BE49-F238E27FC236}">
-                <a16:creationId xmlns:a16="http://schemas.microsoft.com/office/drawing/2014/main" id="{9F3D3B1C-B956-FC78-6247-98786858B2D4}"/>
+                <a16:creationId xmlns:a16="http://schemas.microsoft.com/office/drawing/2014/main" id="{3076232D-E9E4-FC16-D795-93A90A5DB318}"/>
               </a:ext>
             </a:extLst>
           </p:cNvPr>
@@ -12350,7 +12512,7 @@
           </p:nvPr>
         </p:nvPicPr>
         <p:blipFill>
-          <a:blip r:embed="rId3">
+          <a:blip r:embed="rId2">
             <a:extLst>
               <a:ext uri="{28A0092B-C50C-407E-A947-70E740481C1C}">
                 <a14:useLocalDpi xmlns:a14="http://schemas.microsoft.com/office/drawing/2010/main" val="0"/>
@@ -12363,17 +12525,53 @@
         </p:blipFill>
         <p:spPr>
           <a:xfrm>
-            <a:off x="8006080" y="3347230"/>
-            <a:ext cx="4185919" cy="3510770"/>
+            <a:off x="-55676" y="3145481"/>
+            <a:ext cx="4434635" cy="3719372"/>
           </a:xfrm>
         </p:spPr>
       </p:pic>
       <p:pic>
         <p:nvPicPr>
-          <p:cNvPr id="9" name="Grafik 8" descr="Ein Bild, das Text, Diagramm, Screenshot, Schrift enthält.&#10;&#10;KI-generierte Inhalte können fehlerhaft sein.">
+          <p:cNvPr id="9" name="Grafik 8" descr="Ein Bild, das Text, Screenshot, Schrift, Reihe enthält.&#10;&#10;KI-generierte Inhalte können fehlerhaft sein.">
             <a:extLst>
               <a:ext uri="{FF2B5EF4-FFF2-40B4-BE49-F238E27FC236}">
-                <a16:creationId xmlns:a16="http://schemas.microsoft.com/office/drawing/2014/main" id="{8A8A826D-1322-785C-EEC7-C78077239A34}"/>
+                <a16:creationId xmlns:a16="http://schemas.microsoft.com/office/drawing/2014/main" id="{2767FC86-5039-0DCD-9A18-0BF72288387D}"/>
+              </a:ext>
+            </a:extLst>
+          </p:cNvPr>
+          <p:cNvPicPr>
+            <a:picLocks noChangeAspect="1"/>
+          </p:cNvPicPr>
+          <p:nvPr/>
+        </p:nvPicPr>
+        <p:blipFill>
+          <a:blip r:embed="rId3">
+            <a:extLst>
+              <a:ext uri="{28A0092B-C50C-407E-A947-70E740481C1C}">
+                <a14:useLocalDpi xmlns:a14="http://schemas.microsoft.com/office/drawing/2010/main" val="0"/>
+              </a:ext>
+            </a:extLst>
+          </a:blip>
+          <a:stretch>
+            <a:fillRect/>
+          </a:stretch>
+        </p:blipFill>
+        <p:spPr>
+          <a:xfrm>
+            <a:off x="4140654" y="1027906"/>
+            <a:ext cx="4068626" cy="3412396"/>
+          </a:xfrm>
+          <a:prstGeom prst="rect">
+            <a:avLst/>
+          </a:prstGeom>
+        </p:spPr>
+      </p:pic>
+      <p:pic>
+        <p:nvPicPr>
+          <p:cNvPr id="11" name="Grafik 10" descr="Ein Bild, das Text, Screenshot, Schrift, Reihe enthält.&#10;&#10;KI-generierte Inhalte können fehlerhaft sein.">
+            <a:extLst>
+              <a:ext uri="{FF2B5EF4-FFF2-40B4-BE49-F238E27FC236}">
+                <a16:creationId xmlns:a16="http://schemas.microsoft.com/office/drawing/2014/main" id="{F3D46F62-CDAB-7DF2-D5AD-8ECD93880F9B}"/>
               </a:ext>
             </a:extLst>
           </p:cNvPr>
@@ -12396,8 +12594,8 @@
         </p:blipFill>
         <p:spPr>
           <a:xfrm>
-            <a:off x="1" y="3365044"/>
-            <a:ext cx="4071208" cy="3414562"/>
+            <a:off x="7934961" y="3247735"/>
+            <a:ext cx="4257039" cy="3570420"/>
           </a:xfrm>
           <a:prstGeom prst="rect">
             <a:avLst/>
@@ -12406,10 +12604,10 @@
       </p:pic>
       <p:sp>
         <p:nvSpPr>
-          <p:cNvPr id="10" name="Textfeld 9">
+          <p:cNvPr id="12" name="Textfeld 11">
             <a:extLst>
               <a:ext uri="{FF2B5EF4-FFF2-40B4-BE49-F238E27FC236}">
-                <a16:creationId xmlns:a16="http://schemas.microsoft.com/office/drawing/2014/main" id="{FE385058-2D25-45A4-0481-B32C3599EEA1}"/>
+                <a16:creationId xmlns:a16="http://schemas.microsoft.com/office/drawing/2014/main" id="{B68D9DDB-0CE3-1D30-2602-4D6B0A8319E6}"/>
               </a:ext>
             </a:extLst>
           </p:cNvPr>
@@ -12418,8 +12616,8 @@
         </p:nvSpPr>
         <p:spPr>
           <a:xfrm>
-            <a:off x="838199" y="1913343"/>
-            <a:ext cx="2860041" cy="1200329"/>
+            <a:off x="838200" y="2047406"/>
+            <a:ext cx="2860040" cy="1200329"/>
           </a:xfrm>
           <a:prstGeom prst="rect">
             <a:avLst/>
@@ -12466,7 +12664,7 @@
             </a:r>
             <a:r>
               <a:rPr lang="de-CH" sz="2400" dirty="0"/>
-              <a:t>: N = 30</a:t>
+              <a:t>: N = 50</a:t>
             </a:r>
           </a:p>
         </p:txBody>
@@ -12474,7 +12672,7 @@
     </p:spTree>
     <p:extLst>
       <p:ext uri="{BB962C8B-B14F-4D97-AF65-F5344CB8AC3E}">
-        <p14:creationId xmlns:p14="http://schemas.microsoft.com/office/powerpoint/2010/main" val="2040584766"/>
+        <p14:creationId xmlns:p14="http://schemas.microsoft.com/office/powerpoint/2010/main" val="2339112011"/>
       </p:ext>
     </p:extLst>
   </p:cSld>
@@ -12501,12 +12699,48 @@
           <a:chExt cx="0" cy="0"/>
         </a:xfrm>
       </p:grpSpPr>
+      <p:pic>
+        <p:nvPicPr>
+          <p:cNvPr id="14" name="Grafik 13" descr="Ein Bild, das Text, Screenshot, Schrift, Diagramm enthält.&#10;&#10;KI-generierte Inhalte können fehlerhaft sein.">
+            <a:extLst>
+              <a:ext uri="{FF2B5EF4-FFF2-40B4-BE49-F238E27FC236}">
+                <a16:creationId xmlns:a16="http://schemas.microsoft.com/office/drawing/2014/main" id="{D782B588-ECE0-C3F9-5EB2-F894E28B2EC0}"/>
+              </a:ext>
+            </a:extLst>
+          </p:cNvPr>
+          <p:cNvPicPr>
+            <a:picLocks noChangeAspect="1"/>
+          </p:cNvPicPr>
+          <p:nvPr/>
+        </p:nvPicPr>
+        <p:blipFill>
+          <a:blip r:embed="rId2">
+            <a:extLst>
+              <a:ext uri="{28A0092B-C50C-407E-A947-70E740481C1C}">
+                <a14:useLocalDpi xmlns:a14="http://schemas.microsoft.com/office/drawing/2010/main" val="0"/>
+              </a:ext>
+            </a:extLst>
+          </a:blip>
+          <a:stretch>
+            <a:fillRect/>
+          </a:stretch>
+        </p:blipFill>
+        <p:spPr>
+          <a:xfrm>
+            <a:off x="3891280" y="944674"/>
+            <a:ext cx="4409439" cy="3698239"/>
+          </a:xfrm>
+          <a:prstGeom prst="rect">
+            <a:avLst/>
+          </a:prstGeom>
+        </p:spPr>
+      </p:pic>
       <p:sp>
         <p:nvSpPr>
           <p:cNvPr id="2" name="Titel 1">
             <a:extLst>
               <a:ext uri="{FF2B5EF4-FFF2-40B4-BE49-F238E27FC236}">
-                <a16:creationId xmlns:a16="http://schemas.microsoft.com/office/drawing/2014/main" id="{2BCBAAC2-B731-A0B9-E93A-88C7B19B44A5}"/>
+                <a16:creationId xmlns:a16="http://schemas.microsoft.com/office/drawing/2014/main" id="{03493042-59F9-758F-63FD-D905482F5A90}"/>
               </a:ext>
             </a:extLst>
           </p:cNvPr>
@@ -12532,11 +12766,11 @@
             </a:r>
             <a:r>
               <a:rPr lang="de-CH" dirty="0"/>
-              <a:t> </a:t>
+              <a:t> multiple </a:t>
             </a:r>
             <a:r>
               <a:rPr lang="de-CH" dirty="0" err="1"/>
-              <a:t>one</a:t>
+              <a:t>populations</a:t>
             </a:r>
             <a:r>
               <a:rPr lang="de-CH" dirty="0"/>
@@ -12544,7 +12778,15 @@
             </a:r>
             <a:r>
               <a:rPr lang="de-CH" dirty="0" err="1"/>
-              <a:t>population</a:t>
+              <a:t>over</a:t>
+            </a:r>
+            <a:r>
+              <a:rPr lang="de-CH" dirty="0"/>
+              <a:t> a </a:t>
+            </a:r>
+            <a:r>
+              <a:rPr lang="de-CH" dirty="0" err="1"/>
+              <a:t>thousand</a:t>
             </a:r>
             <a:r>
               <a:rPr lang="de-CH" dirty="0"/>
@@ -12552,133 +12794,18 @@
             </a:r>
             <a:r>
               <a:rPr lang="de-CH" dirty="0" err="1"/>
-              <a:t>over</a:t>
-            </a:r>
-            <a:r>
-              <a:rPr lang="de-CH" dirty="0"/>
-              <a:t> multiple </a:t>
-            </a:r>
-            <a:r>
-              <a:rPr lang="de-CH" dirty="0" err="1"/>
               <a:t>generations</a:t>
             </a:r>
             <a:endParaRPr lang="de-CH" dirty="0"/>
           </a:p>
         </p:txBody>
       </p:sp>
-      <p:pic>
-        <p:nvPicPr>
-          <p:cNvPr id="5" name="Inhaltsplatzhalter 4" descr="Ein Bild, das Text, Screenshot, Schrift, Diagramm enthält.&#10;&#10;KI-generierte Inhalte können fehlerhaft sein.">
-            <a:extLst>
-              <a:ext uri="{FF2B5EF4-FFF2-40B4-BE49-F238E27FC236}">
-                <a16:creationId xmlns:a16="http://schemas.microsoft.com/office/drawing/2014/main" id="{3076232D-E9E4-FC16-D795-93A90A5DB318}"/>
-              </a:ext>
-            </a:extLst>
-          </p:cNvPr>
-          <p:cNvPicPr>
-            <a:picLocks noGrp="1" noChangeAspect="1"/>
-          </p:cNvPicPr>
-          <p:nvPr>
-            <p:ph idx="1"/>
-          </p:nvPr>
-        </p:nvPicPr>
-        <p:blipFill>
-          <a:blip r:embed="rId2">
-            <a:extLst>
-              <a:ext uri="{28A0092B-C50C-407E-A947-70E740481C1C}">
-                <a14:useLocalDpi xmlns:a14="http://schemas.microsoft.com/office/drawing/2010/main" val="0"/>
-              </a:ext>
-            </a:extLst>
-          </a:blip>
-          <a:stretch>
-            <a:fillRect/>
-          </a:stretch>
-        </p:blipFill>
-        <p:spPr>
-          <a:xfrm>
-            <a:off x="-55676" y="3145481"/>
-            <a:ext cx="4434635" cy="3719372"/>
-          </a:xfrm>
-        </p:spPr>
-      </p:pic>
-      <p:pic>
-        <p:nvPicPr>
-          <p:cNvPr id="9" name="Grafik 8" descr="Ein Bild, das Text, Screenshot, Schrift, Reihe enthält.&#10;&#10;KI-generierte Inhalte können fehlerhaft sein.">
-            <a:extLst>
-              <a:ext uri="{FF2B5EF4-FFF2-40B4-BE49-F238E27FC236}">
-                <a16:creationId xmlns:a16="http://schemas.microsoft.com/office/drawing/2014/main" id="{2767FC86-5039-0DCD-9A18-0BF72288387D}"/>
-              </a:ext>
-            </a:extLst>
-          </p:cNvPr>
-          <p:cNvPicPr>
-            <a:picLocks noChangeAspect="1"/>
-          </p:cNvPicPr>
-          <p:nvPr/>
-        </p:nvPicPr>
-        <p:blipFill>
-          <a:blip r:embed="rId3">
-            <a:extLst>
-              <a:ext uri="{28A0092B-C50C-407E-A947-70E740481C1C}">
-                <a14:useLocalDpi xmlns:a14="http://schemas.microsoft.com/office/drawing/2010/main" val="0"/>
-              </a:ext>
-            </a:extLst>
-          </a:blip>
-          <a:stretch>
-            <a:fillRect/>
-          </a:stretch>
-        </p:blipFill>
-        <p:spPr>
-          <a:xfrm>
-            <a:off x="4140654" y="1027906"/>
-            <a:ext cx="4068626" cy="3412396"/>
-          </a:xfrm>
-          <a:prstGeom prst="rect">
-            <a:avLst/>
-          </a:prstGeom>
-        </p:spPr>
-      </p:pic>
-      <p:pic>
-        <p:nvPicPr>
-          <p:cNvPr id="11" name="Grafik 10" descr="Ein Bild, das Text, Screenshot, Schrift, Reihe enthält.&#10;&#10;KI-generierte Inhalte können fehlerhaft sein.">
-            <a:extLst>
-              <a:ext uri="{FF2B5EF4-FFF2-40B4-BE49-F238E27FC236}">
-                <a16:creationId xmlns:a16="http://schemas.microsoft.com/office/drawing/2014/main" id="{F3D46F62-CDAB-7DF2-D5AD-8ECD93880F9B}"/>
-              </a:ext>
-            </a:extLst>
-          </p:cNvPr>
-          <p:cNvPicPr>
-            <a:picLocks noChangeAspect="1"/>
-          </p:cNvPicPr>
-          <p:nvPr/>
-        </p:nvPicPr>
-        <p:blipFill>
-          <a:blip r:embed="rId4">
-            <a:extLst>
-              <a:ext uri="{28A0092B-C50C-407E-A947-70E740481C1C}">
-                <a14:useLocalDpi xmlns:a14="http://schemas.microsoft.com/office/drawing/2010/main" val="0"/>
-              </a:ext>
-            </a:extLst>
-          </a:blip>
-          <a:stretch>
-            <a:fillRect/>
-          </a:stretch>
-        </p:blipFill>
-        <p:spPr>
-          <a:xfrm>
-            <a:off x="7934961" y="3247735"/>
-            <a:ext cx="4257039" cy="3570420"/>
-          </a:xfrm>
-          <a:prstGeom prst="rect">
-            <a:avLst/>
-          </a:prstGeom>
-        </p:spPr>
-      </p:pic>
       <p:sp>
         <p:nvSpPr>
-          <p:cNvPr id="12" name="Textfeld 11">
+          <p:cNvPr id="8" name="Textfeld 7">
             <a:extLst>
               <a:ext uri="{FF2B5EF4-FFF2-40B4-BE49-F238E27FC236}">
-                <a16:creationId xmlns:a16="http://schemas.microsoft.com/office/drawing/2014/main" id="{B68D9DDB-0CE3-1D30-2602-4D6B0A8319E6}"/>
+                <a16:creationId xmlns:a16="http://schemas.microsoft.com/office/drawing/2014/main" id="{0D514E63-125A-3336-1788-D4AC7FAFFF22}"/>
               </a:ext>
             </a:extLst>
           </p:cNvPr>
@@ -12687,7 +12814,7 @@
         </p:nvSpPr>
         <p:spPr>
           <a:xfrm>
-            <a:off x="838200" y="2047406"/>
+            <a:off x="838201" y="1931763"/>
             <a:ext cx="2860040" cy="1200329"/>
           </a:xfrm>
           <a:prstGeom prst="rect">
@@ -12735,15 +12862,87 @@
             </a:r>
             <a:r>
               <a:rPr lang="de-CH" sz="2400" dirty="0"/>
-              <a:t>: N = 50</a:t>
+              <a:t>: N = 30</a:t>
             </a:r>
           </a:p>
         </p:txBody>
       </p:sp>
+      <p:pic>
+        <p:nvPicPr>
+          <p:cNvPr id="16" name="Grafik 15" descr="Ein Bild, das Text, Screenshot, Schrift, Diagramm enthält.&#10;&#10;KI-generierte Inhalte können fehlerhaft sein.">
+            <a:extLst>
+              <a:ext uri="{FF2B5EF4-FFF2-40B4-BE49-F238E27FC236}">
+                <a16:creationId xmlns:a16="http://schemas.microsoft.com/office/drawing/2014/main" id="{1CF1B61E-9E85-A7F5-0FA4-6FA0435C6607}"/>
+              </a:ext>
+            </a:extLst>
+          </p:cNvPr>
+          <p:cNvPicPr>
+            <a:picLocks noChangeAspect="1"/>
+          </p:cNvPicPr>
+          <p:nvPr/>
+        </p:nvPicPr>
+        <p:blipFill>
+          <a:blip r:embed="rId3">
+            <a:extLst>
+              <a:ext uri="{28A0092B-C50C-407E-A947-70E740481C1C}">
+                <a14:useLocalDpi xmlns:a14="http://schemas.microsoft.com/office/drawing/2010/main" val="0"/>
+              </a:ext>
+            </a:extLst>
+          </a:blip>
+          <a:stretch>
+            <a:fillRect/>
+          </a:stretch>
+        </p:blipFill>
+        <p:spPr>
+          <a:xfrm>
+            <a:off x="0" y="3312161"/>
+            <a:ext cx="4227733" cy="3545840"/>
+          </a:xfrm>
+          <a:prstGeom prst="rect">
+            <a:avLst/>
+          </a:prstGeom>
+        </p:spPr>
+      </p:pic>
+      <p:pic>
+        <p:nvPicPr>
+          <p:cNvPr id="12" name="Grafik 11" descr="Ein Bild, das Text, Screenshot, Diagramm, Schrift enthält.&#10;&#10;KI-generierte Inhalte können fehlerhaft sein.">
+            <a:extLst>
+              <a:ext uri="{FF2B5EF4-FFF2-40B4-BE49-F238E27FC236}">
+                <a16:creationId xmlns:a16="http://schemas.microsoft.com/office/drawing/2014/main" id="{0C2DE09A-9A31-12A2-1F69-ACD721E6B79D}"/>
+              </a:ext>
+            </a:extLst>
+          </p:cNvPr>
+          <p:cNvPicPr>
+            <a:picLocks noChangeAspect="1"/>
+          </p:cNvPicPr>
+          <p:nvPr/>
+        </p:nvPicPr>
+        <p:blipFill>
+          <a:blip r:embed="rId4">
+            <a:extLst>
+              <a:ext uri="{28A0092B-C50C-407E-A947-70E740481C1C}">
+                <a14:useLocalDpi xmlns:a14="http://schemas.microsoft.com/office/drawing/2010/main" val="0"/>
+              </a:ext>
+            </a:extLst>
+          </a:blip>
+          <a:stretch>
+            <a:fillRect/>
+          </a:stretch>
+        </p:blipFill>
+        <p:spPr>
+          <a:xfrm>
+            <a:off x="7964266" y="3312159"/>
+            <a:ext cx="4227733" cy="3545841"/>
+          </a:xfrm>
+          <a:prstGeom prst="rect">
+            <a:avLst/>
+          </a:prstGeom>
+        </p:spPr>
+      </p:pic>
     </p:spTree>
     <p:extLst>
       <p:ext uri="{BB962C8B-B14F-4D97-AF65-F5344CB8AC3E}">
-        <p14:creationId xmlns:p14="http://schemas.microsoft.com/office/powerpoint/2010/main" val="2339112011"/>
+        <p14:creationId xmlns:p14="http://schemas.microsoft.com/office/powerpoint/2010/main" val="4126068761"/>
       </p:ext>
     </p:extLst>
   </p:cSld>

--- a/THEE_presentation.pptx
+++ b/THEE_presentation.pptx
@@ -11236,6 +11236,81 @@
           </a:prstGeom>
         </p:spPr>
       </p:pic>
+      <p:sp>
+        <p:nvSpPr>
+          <p:cNvPr id="2" name="TextBox 1">
+            <a:extLst>
+              <a:ext uri="{FF2B5EF4-FFF2-40B4-BE49-F238E27FC236}">
+                <a16:creationId xmlns:a16="http://schemas.microsoft.com/office/drawing/2014/main" id="{B0D7AA42-C68B-C927-D21E-34F73AD545C3}"/>
+              </a:ext>
+            </a:extLst>
+          </p:cNvPr>
+          <p:cNvSpPr txBox="1"/>
+          <p:nvPr/>
+        </p:nvSpPr>
+        <p:spPr>
+          <a:xfrm>
+            <a:off x="4451258" y="191589"/>
+            <a:ext cx="1426028" cy="954107"/>
+          </a:xfrm>
+          <a:prstGeom prst="rect">
+            <a:avLst/>
+          </a:prstGeom>
+          <a:noFill/>
+        </p:spPr>
+        <p:txBody>
+          <a:bodyPr wrap="square" rtlCol="0">
+            <a:spAutoFit/>
+          </a:bodyPr>
+          <a:lstStyle/>
+          <a:p>
+            <a:r>
+              <a:rPr lang="de-CH" sz="1400" dirty="0"/>
+              <a:t>Initial </a:t>
+            </a:r>
+            <a:r>
+              <a:rPr lang="de-CH" sz="1400" dirty="0" err="1"/>
+              <a:t>population</a:t>
+            </a:r>
+            <a:r>
+              <a:rPr lang="de-CH" sz="1400" dirty="0"/>
+              <a:t> </a:t>
+            </a:r>
+            <a:r>
+              <a:rPr lang="de-CH" sz="1400" dirty="0" err="1"/>
+              <a:t>size</a:t>
+            </a:r>
+            <a:r>
+              <a:rPr lang="de-CH" sz="1400" dirty="0"/>
+              <a:t> </a:t>
+            </a:r>
+            <a:r>
+              <a:rPr lang="de-CH" sz="1400" dirty="0" err="1"/>
+              <a:t>for</a:t>
+            </a:r>
+            <a:r>
+              <a:rPr lang="de-CH" sz="1400" dirty="0"/>
+              <a:t> all </a:t>
+            </a:r>
+            <a:r>
+              <a:rPr lang="de-CH" sz="1400" dirty="0" err="1"/>
+              <a:t>four</a:t>
+            </a:r>
+            <a:r>
+              <a:rPr lang="de-CH" sz="1400" dirty="0"/>
+              <a:t> </a:t>
+            </a:r>
+            <a:r>
+              <a:rPr lang="de-CH" sz="1400" dirty="0" err="1"/>
+              <a:t>mutants</a:t>
+            </a:r>
+            <a:r>
+              <a:rPr lang="de-CH" sz="1400" dirty="0"/>
+              <a:t>: N=50</a:t>
+            </a:r>
+          </a:p>
+        </p:txBody>
+      </p:sp>
     </p:spTree>
     <p:extLst>
       <p:ext uri="{BB962C8B-B14F-4D97-AF65-F5344CB8AC3E}">

--- a/THEE_presentation.pptx
+++ b/THEE_presentation.pptx
@@ -2434,10 +2434,10 @@
         <a:lstStyle/>
         <a:p>
           <a:r>
-            <a:rPr lang="en-US"/>
+            <a:rPr lang="en-US" dirty="0"/>
             <a:t>How do 2 mutations, which can alternate between beneficial and deleterious versions of the same strength, influence the probability of rescue and how does their frequency in the population change?</a:t>
           </a:r>
-          <a:endParaRPr lang="de-CH"/>
+          <a:endParaRPr lang="de-CH" dirty="0"/>
         </a:p>
       </dgm:t>
     </dgm:pt>
@@ -3356,10 +3356,10 @@
             <a:buChar char="•"/>
           </a:pPr>
           <a:r>
-            <a:rPr lang="en-US" sz="2200" kern="1200"/>
+            <a:rPr lang="en-US" sz="2200" kern="1200" dirty="0"/>
             <a:t>How do 2 mutations, which can alternate between beneficial and deleterious versions of the same strength, influence the probability of rescue and how does their frequency in the population change?</a:t>
           </a:r>
-          <a:endParaRPr lang="de-CH" sz="2200" kern="1200"/>
+          <a:endParaRPr lang="de-CH" sz="2200" kern="1200" dirty="0"/>
         </a:p>
       </dsp:txBody>
       <dsp:txXfrm>

--- a/THEE_presentation.pptx
+++ b/THEE_presentation.pptx
@@ -18,6 +18,7 @@
     <p:sldId id="269" r:id="rId12"/>
     <p:sldId id="270" r:id="rId13"/>
     <p:sldId id="271" r:id="rId14"/>
+    <p:sldId id="272" r:id="rId15"/>
   </p:sldIdLst>
   <p:sldSz cx="12192000" cy="6858000"/>
   <p:notesSz cx="6858000" cy="9144000"/>
@@ -10222,13 +10223,90 @@
           <a:p>
             <a:pPr algn="l"/>
             <a:r>
-              <a:rPr lang="de-CH" sz="4800">
+              <a:rPr lang="de-CH" sz="4800" dirty="0">
                 <a:solidFill>
                   <a:srgbClr val="FFFFFF"/>
                 </a:solidFill>
               </a:rPr>
-              <a:t>A computational model for bacteria resistance</a:t>
-            </a:r>
+              <a:t>A </a:t>
+            </a:r>
+            <a:r>
+              <a:rPr lang="de-CH" sz="4800" dirty="0" err="1">
+                <a:solidFill>
+                  <a:srgbClr val="FFFFFF"/>
+                </a:solidFill>
+              </a:rPr>
+              <a:t>computational</a:t>
+            </a:r>
+            <a:r>
+              <a:rPr lang="de-CH" sz="4800" dirty="0">
+                <a:solidFill>
+                  <a:srgbClr val="FFFFFF"/>
+                </a:solidFill>
+              </a:rPr>
+              <a:t> </a:t>
+            </a:r>
+            <a:r>
+              <a:rPr lang="de-CH" sz="4800" dirty="0" err="1">
+                <a:solidFill>
+                  <a:srgbClr val="FFFFFF"/>
+                </a:solidFill>
+              </a:rPr>
+              <a:t>model</a:t>
+            </a:r>
+            <a:r>
+              <a:rPr lang="de-CH" sz="4800" dirty="0">
+                <a:solidFill>
+                  <a:srgbClr val="FFFFFF"/>
+                </a:solidFill>
+              </a:rPr>
+              <a:t> </a:t>
+            </a:r>
+            <a:r>
+              <a:rPr lang="de-CH" sz="4800" dirty="0" err="1">
+                <a:solidFill>
+                  <a:srgbClr val="FFFFFF"/>
+                </a:solidFill>
+              </a:rPr>
+              <a:t>for</a:t>
+            </a:r>
+            <a:r>
+              <a:rPr lang="de-CH" sz="4800" dirty="0">
+                <a:solidFill>
+                  <a:srgbClr val="FFFFFF"/>
+                </a:solidFill>
+              </a:rPr>
+              <a:t> </a:t>
+            </a:r>
+            <a:r>
+              <a:rPr lang="de-CH" sz="4800" dirty="0" err="1">
+                <a:solidFill>
+                  <a:srgbClr val="FFFFFF"/>
+                </a:solidFill>
+              </a:rPr>
+              <a:t>bacterial</a:t>
+            </a:r>
+            <a:r>
+              <a:rPr lang="de-CH" sz="4800" dirty="0">
+                <a:solidFill>
+                  <a:srgbClr val="FFFFFF"/>
+                </a:solidFill>
+              </a:rPr>
+              <a:t> </a:t>
+            </a:r>
+            <a:r>
+              <a:rPr lang="de-CH" sz="4800" dirty="0" err="1">
+                <a:solidFill>
+                  <a:srgbClr val="FFFFFF"/>
+                </a:solidFill>
+              </a:rPr>
+              <a:t>resistance</a:t>
+            </a:r>
+            <a:endParaRPr lang="de-CH" sz="4800" dirty="0">
+              <a:solidFill>
+                <a:srgbClr val="FFFFFF"/>
+              </a:solidFill>
+            </a:endParaRPr>
           </a:p>
         </p:txBody>
       </p:sp>
@@ -11315,6 +11393,656 @@
     <p:extLst>
       <p:ext uri="{BB962C8B-B14F-4D97-AF65-F5344CB8AC3E}">
         <p14:creationId xmlns:p14="http://schemas.microsoft.com/office/powerpoint/2010/main" val="1681305938"/>
+      </p:ext>
+    </p:extLst>
+  </p:cSld>
+  <p:clrMapOvr>
+    <a:masterClrMapping/>
+  </p:clrMapOvr>
+</p:sld>
+</file>
+
+<file path=ppt/slides/slide14.xml><?xml version="1.0" encoding="utf-8"?>
+<p:sld xmlns:a="http://schemas.openxmlformats.org/drawingml/2006/main" xmlns:r="http://schemas.openxmlformats.org/officeDocument/2006/relationships" xmlns:p="http://schemas.openxmlformats.org/presentationml/2006/main">
+  <p:cSld>
+    <p:spTree>
+      <p:nvGrpSpPr>
+        <p:cNvPr id="1" name=""/>
+        <p:cNvGrpSpPr/>
+        <p:nvPr/>
+      </p:nvGrpSpPr>
+      <p:grpSpPr>
+        <a:xfrm>
+          <a:off x="0" y="0"/>
+          <a:ext cx="0" cy="0"/>
+          <a:chOff x="0" y="0"/>
+          <a:chExt cx="0" cy="0"/>
+        </a:xfrm>
+      </p:grpSpPr>
+      <p:sp>
+        <p:nvSpPr>
+          <p:cNvPr id="2" name="Title 1">
+            <a:extLst>
+              <a:ext uri="{FF2B5EF4-FFF2-40B4-BE49-F238E27FC236}">
+                <a16:creationId xmlns:a16="http://schemas.microsoft.com/office/drawing/2014/main" id="{FE927052-81FC-A921-40D7-3FBE8DAB94B3}"/>
+              </a:ext>
+            </a:extLst>
+          </p:cNvPr>
+          <p:cNvSpPr>
+            <a:spLocks noGrp="1"/>
+          </p:cNvSpPr>
+          <p:nvPr>
+            <p:ph type="title"/>
+          </p:nvPr>
+        </p:nvSpPr>
+        <p:spPr/>
+        <p:txBody>
+          <a:bodyPr>
+            <a:normAutofit/>
+          </a:bodyPr>
+          <a:lstStyle/>
+          <a:p>
+            <a:r>
+              <a:rPr lang="de-CH" sz="4000" dirty="0"/>
+              <a:t>Biological-</a:t>
+            </a:r>
+            <a:r>
+              <a:rPr lang="de-CH" sz="4000" dirty="0" err="1"/>
+              <a:t>applications</a:t>
+            </a:r>
+            <a:r>
+              <a:rPr lang="de-CH" sz="4000" dirty="0"/>
+              <a:t>-Anti </a:t>
+            </a:r>
+            <a:r>
+              <a:rPr lang="de-CH" sz="4000" dirty="0" err="1"/>
+              <a:t>microbial</a:t>
+            </a:r>
+            <a:r>
+              <a:rPr lang="de-CH" sz="4000" dirty="0"/>
+              <a:t> </a:t>
+            </a:r>
+            <a:r>
+              <a:rPr lang="de-CH" sz="4000" dirty="0" err="1"/>
+              <a:t>resistance</a:t>
+            </a:r>
+            <a:endParaRPr lang="de-CH" sz="4000" dirty="0"/>
+          </a:p>
+        </p:txBody>
+      </p:sp>
+      <p:sp>
+        <p:nvSpPr>
+          <p:cNvPr id="3" name="Content Placeholder 2">
+            <a:extLst>
+              <a:ext uri="{FF2B5EF4-FFF2-40B4-BE49-F238E27FC236}">
+                <a16:creationId xmlns:a16="http://schemas.microsoft.com/office/drawing/2014/main" id="{0AD8E2FF-06F5-7054-3D07-9B2428436BE5}"/>
+              </a:ext>
+            </a:extLst>
+          </p:cNvPr>
+          <p:cNvSpPr>
+            <a:spLocks noGrp="1"/>
+          </p:cNvSpPr>
+          <p:nvPr>
+            <p:ph idx="1"/>
+          </p:nvPr>
+        </p:nvSpPr>
+        <p:spPr>
+          <a:xfrm>
+            <a:off x="838200" y="1404257"/>
+            <a:ext cx="10515600" cy="4772706"/>
+          </a:xfrm>
+        </p:spPr>
+        <p:txBody>
+          <a:bodyPr>
+            <a:normAutofit/>
+          </a:bodyPr>
+          <a:lstStyle/>
+          <a:p>
+            <a:pPr marL="0" indent="0">
+              <a:buNone/>
+            </a:pPr>
+            <a:endParaRPr lang="en-US" sz="1100" dirty="0"/>
+          </a:p>
+          <a:p>
+            <a:pPr marL="0" indent="0">
+              <a:buNone/>
+            </a:pPr>
+            <a:r>
+              <a:rPr lang="en-US" sz="1100" dirty="0"/>
+              <a:t>Sophie </a:t>
+            </a:r>
+            <a:r>
+              <a:rPr lang="en-US" sz="1100" dirty="0" err="1"/>
+              <a:t>Maisnier</a:t>
+            </a:r>
+            <a:r>
+              <a:rPr lang="en-US" sz="1100" dirty="0"/>
+              <a:t>-Patin, Dan I Andersson, Adaptation to the deleterious effects of antimicrobial drug resistance mutations by compensatory evolution, Research in Microbiology, Volume 155, Issue 5, 2004, Pages 360-369, ISSN 0923-2508, (</a:t>
+            </a:r>
+            <a:r>
+              <a:rPr lang="en-US" sz="1100" dirty="0">
+                <a:hlinkClick r:id="rId2"/>
+              </a:rPr>
+              <a:t>https://www.sciencedirect.com/science/article/pii/S0923250804000683</a:t>
+            </a:r>
+            <a:r>
+              <a:rPr lang="en-US" sz="1100" dirty="0"/>
+              <a:t>) </a:t>
+            </a:r>
+          </a:p>
+          <a:p>
+            <a:pPr marL="0" indent="0">
+              <a:buNone/>
+            </a:pPr>
+            <a:r>
+              <a:rPr lang="de-CH" sz="2000" dirty="0" err="1"/>
+              <a:t>Similarities</a:t>
+            </a:r>
+            <a:r>
+              <a:rPr lang="de-CH" sz="2000" dirty="0"/>
+              <a:t>:</a:t>
+            </a:r>
+          </a:p>
+          <a:p>
+            <a:r>
+              <a:rPr lang="de-CH" sz="2000" dirty="0"/>
+              <a:t>Resistance </a:t>
+            </a:r>
+            <a:r>
+              <a:rPr lang="de-CH" sz="2000" dirty="0" err="1"/>
+              <a:t>to</a:t>
+            </a:r>
+            <a:r>
+              <a:rPr lang="de-CH" sz="2000" dirty="0"/>
+              <a:t> </a:t>
+            </a:r>
+            <a:r>
+              <a:rPr lang="de-CH" sz="2000" dirty="0" err="1"/>
+              <a:t>antimicrobial</a:t>
+            </a:r>
+            <a:r>
+              <a:rPr lang="de-CH" sz="2000" dirty="0"/>
+              <a:t> </a:t>
+            </a:r>
+            <a:r>
+              <a:rPr lang="de-CH" sz="2000" dirty="0" err="1"/>
+              <a:t>drugs</a:t>
+            </a:r>
+            <a:r>
+              <a:rPr lang="de-CH" sz="2000" dirty="0"/>
+              <a:t> </a:t>
+            </a:r>
+            <a:r>
+              <a:rPr lang="de-CH" sz="2000" dirty="0" err="1"/>
+              <a:t>comes</a:t>
+            </a:r>
+            <a:r>
+              <a:rPr lang="de-CH" sz="2000" dirty="0"/>
+              <a:t> with </a:t>
+            </a:r>
+            <a:r>
+              <a:rPr lang="de-CH" sz="2000" dirty="0" err="1"/>
+              <a:t>fitness</a:t>
+            </a:r>
+            <a:r>
+              <a:rPr lang="de-CH" sz="2000" dirty="0"/>
+              <a:t> </a:t>
+            </a:r>
+            <a:r>
+              <a:rPr lang="de-CH" sz="2000" dirty="0" err="1"/>
+              <a:t>costs</a:t>
+            </a:r>
+            <a:endParaRPr lang="de-CH" sz="2000" dirty="0"/>
+          </a:p>
+          <a:p>
+            <a:r>
+              <a:rPr lang="de-CH" sz="2000" dirty="0" err="1"/>
+              <a:t>Mutations</a:t>
+            </a:r>
+            <a:r>
+              <a:rPr lang="de-CH" sz="2000" dirty="0"/>
+              <a:t> </a:t>
+            </a:r>
+            <a:r>
+              <a:rPr lang="de-CH" sz="2000" dirty="0" err="1"/>
+              <a:t>as</a:t>
+            </a:r>
+            <a:r>
+              <a:rPr lang="de-CH" sz="2000" dirty="0"/>
+              <a:t> a </a:t>
+            </a:r>
+            <a:r>
+              <a:rPr lang="de-CH" sz="2000" dirty="0" err="1"/>
+              <a:t>way</a:t>
+            </a:r>
+            <a:r>
+              <a:rPr lang="de-CH" sz="2000" dirty="0"/>
+              <a:t> </a:t>
+            </a:r>
+            <a:r>
+              <a:rPr lang="de-CH" sz="2000" dirty="0" err="1"/>
+              <a:t>to</a:t>
+            </a:r>
+            <a:r>
+              <a:rPr lang="de-CH" sz="2000" dirty="0"/>
+              <a:t> </a:t>
+            </a:r>
+            <a:r>
+              <a:rPr lang="de-CH" sz="2000" dirty="0" err="1"/>
+              <a:t>mask</a:t>
+            </a:r>
+            <a:r>
+              <a:rPr lang="de-CH" sz="2000" dirty="0"/>
+              <a:t> </a:t>
+            </a:r>
+            <a:r>
+              <a:rPr lang="de-CH" sz="2000" dirty="0" err="1"/>
+              <a:t>effect</a:t>
+            </a:r>
+            <a:r>
+              <a:rPr lang="de-CH" sz="2000" dirty="0"/>
+              <a:t> </a:t>
+            </a:r>
+            <a:r>
+              <a:rPr lang="de-CH" sz="2000" dirty="0" err="1"/>
+              <a:t>of</a:t>
+            </a:r>
+            <a:r>
+              <a:rPr lang="de-CH" sz="2000" dirty="0"/>
+              <a:t> </a:t>
+            </a:r>
+            <a:r>
+              <a:rPr lang="de-CH" sz="2000" dirty="0" err="1"/>
+              <a:t>deleterious</a:t>
+            </a:r>
+            <a:r>
+              <a:rPr lang="de-CH" sz="2000" dirty="0"/>
+              <a:t> </a:t>
+            </a:r>
+            <a:r>
+              <a:rPr lang="de-CH" sz="2000" dirty="0" err="1"/>
+              <a:t>effects</a:t>
+            </a:r>
+            <a:r>
+              <a:rPr lang="de-CH" sz="2000" dirty="0" err="1">
+                <a:sym typeface="Wingdings" panose="05000000000000000000" pitchFamily="2" charset="2"/>
+              </a:rPr>
+              <a:t>important</a:t>
+            </a:r>
+            <a:r>
+              <a:rPr lang="de-CH" sz="2000" dirty="0">
+                <a:sym typeface="Wingdings" panose="05000000000000000000" pitchFamily="2" charset="2"/>
+              </a:rPr>
+              <a:t> </a:t>
+            </a:r>
+            <a:r>
+              <a:rPr lang="de-CH" sz="2000" dirty="0" err="1">
+                <a:sym typeface="Wingdings" panose="05000000000000000000" pitchFamily="2" charset="2"/>
+              </a:rPr>
+              <a:t>for</a:t>
+            </a:r>
+            <a:r>
+              <a:rPr lang="de-CH" sz="2000" dirty="0">
+                <a:sym typeface="Wingdings" panose="05000000000000000000" pitchFamily="2" charset="2"/>
+              </a:rPr>
+              <a:t> </a:t>
+            </a:r>
+            <a:r>
+              <a:rPr lang="de-CH" sz="2000" dirty="0" err="1">
+                <a:sym typeface="Wingdings" panose="05000000000000000000" pitchFamily="2" charset="2"/>
+              </a:rPr>
+              <a:t>adaptation</a:t>
+            </a:r>
+            <a:r>
+              <a:rPr lang="de-CH" sz="2000" dirty="0">
+                <a:sym typeface="Wingdings" panose="05000000000000000000" pitchFamily="2" charset="2"/>
+              </a:rPr>
+              <a:t>/</a:t>
+            </a:r>
+            <a:r>
+              <a:rPr lang="de-CH" sz="2000" dirty="0" err="1">
+                <a:sym typeface="Wingdings" panose="05000000000000000000" pitchFamily="2" charset="2"/>
+              </a:rPr>
+              <a:t>evolution</a:t>
+            </a:r>
+            <a:endParaRPr lang="de-CH" sz="2000" dirty="0">
+              <a:sym typeface="Wingdings" panose="05000000000000000000" pitchFamily="2" charset="2"/>
+            </a:endParaRPr>
+          </a:p>
+          <a:p>
+            <a:r>
+              <a:rPr lang="de-CH" sz="2000" dirty="0">
+                <a:sym typeface="Wingdings" panose="05000000000000000000" pitchFamily="2" charset="2"/>
+              </a:rPr>
+              <a:t>Haploid, </a:t>
+            </a:r>
+            <a:r>
+              <a:rPr lang="de-CH" sz="2000" dirty="0" err="1">
+                <a:sym typeface="Wingdings" panose="05000000000000000000" pitchFamily="2" charset="2"/>
+              </a:rPr>
+              <a:t>asexuall</a:t>
+            </a:r>
+            <a:r>
+              <a:rPr lang="de-CH" sz="2000" dirty="0">
+                <a:sym typeface="Wingdings" panose="05000000000000000000" pitchFamily="2" charset="2"/>
+              </a:rPr>
+              <a:t> </a:t>
+            </a:r>
+            <a:r>
+              <a:rPr lang="de-CH" sz="2000" dirty="0" err="1">
+                <a:sym typeface="Wingdings" panose="05000000000000000000" pitchFamily="2" charset="2"/>
+              </a:rPr>
+              <a:t>populations</a:t>
+            </a:r>
+            <a:endParaRPr lang="de-CH" sz="2000" dirty="0">
+              <a:sym typeface="Wingdings" panose="05000000000000000000" pitchFamily="2" charset="2"/>
+            </a:endParaRPr>
+          </a:p>
+          <a:p>
+            <a:pPr marL="0" indent="0">
+              <a:buNone/>
+            </a:pPr>
+            <a:r>
+              <a:rPr lang="de-CH" sz="2000" dirty="0" err="1">
+                <a:sym typeface="Wingdings" panose="05000000000000000000" pitchFamily="2" charset="2"/>
+              </a:rPr>
+              <a:t>Limitations</a:t>
+            </a:r>
+            <a:r>
+              <a:rPr lang="de-CH" sz="2000" dirty="0">
+                <a:sym typeface="Wingdings" panose="05000000000000000000" pitchFamily="2" charset="2"/>
+              </a:rPr>
+              <a:t>:</a:t>
+            </a:r>
+          </a:p>
+          <a:p>
+            <a:r>
+              <a:rPr lang="de-CH" sz="2000" dirty="0">
+                <a:sym typeface="Wingdings" panose="05000000000000000000" pitchFamily="2" charset="2"/>
+              </a:rPr>
+              <a:t>Models still </a:t>
+            </a:r>
+            <a:r>
+              <a:rPr lang="de-CH" sz="2000" dirty="0" err="1">
+                <a:sym typeface="Wingdings" panose="05000000000000000000" pitchFamily="2" charset="2"/>
+              </a:rPr>
+              <a:t>are</a:t>
+            </a:r>
+            <a:r>
+              <a:rPr lang="de-CH" sz="2000" dirty="0">
+                <a:sym typeface="Wingdings" panose="05000000000000000000" pitchFamily="2" charset="2"/>
+              </a:rPr>
+              <a:t> different: </a:t>
+            </a:r>
+            <a:r>
+              <a:rPr lang="de-CH" sz="2000" dirty="0" err="1">
+                <a:sym typeface="Wingdings" panose="05000000000000000000" pitchFamily="2" charset="2"/>
+              </a:rPr>
+              <a:t>no</a:t>
+            </a:r>
+            <a:r>
+              <a:rPr lang="de-CH" sz="2000" dirty="0">
+                <a:sym typeface="Wingdings" panose="05000000000000000000" pitchFamily="2" charset="2"/>
+              </a:rPr>
+              <a:t> </a:t>
+            </a:r>
+            <a:r>
+              <a:rPr lang="de-CH" sz="2000" dirty="0" err="1">
+                <a:sym typeface="Wingdings" panose="05000000000000000000" pitchFamily="2" charset="2"/>
+              </a:rPr>
+              <a:t>use</a:t>
+            </a:r>
+            <a:r>
+              <a:rPr lang="de-CH" sz="2000" dirty="0">
+                <a:sym typeface="Wingdings" panose="05000000000000000000" pitchFamily="2" charset="2"/>
+              </a:rPr>
+              <a:t> </a:t>
+            </a:r>
+            <a:r>
+              <a:rPr lang="de-CH" sz="2000" dirty="0" err="1">
+                <a:sym typeface="Wingdings" panose="05000000000000000000" pitchFamily="2" charset="2"/>
+              </a:rPr>
+              <a:t>of</a:t>
+            </a:r>
+            <a:r>
+              <a:rPr lang="de-CH" sz="2000" dirty="0">
+                <a:sym typeface="Wingdings" panose="05000000000000000000" pitchFamily="2" charset="2"/>
+              </a:rPr>
+              <a:t> </a:t>
+            </a:r>
+            <a:r>
+              <a:rPr lang="de-CH" sz="2000" dirty="0" err="1">
+                <a:sym typeface="Wingdings" panose="05000000000000000000" pitchFamily="2" charset="2"/>
+              </a:rPr>
+              <a:t>exactly</a:t>
+            </a:r>
+            <a:r>
+              <a:rPr lang="de-CH" sz="2000" dirty="0">
+                <a:sym typeface="Wingdings" panose="05000000000000000000" pitchFamily="2" charset="2"/>
+              </a:rPr>
+              <a:t> 2 </a:t>
+            </a:r>
+            <a:r>
+              <a:rPr lang="de-CH" sz="2000" dirty="0" err="1">
+                <a:sym typeface="Wingdings" panose="05000000000000000000" pitchFamily="2" charset="2"/>
+              </a:rPr>
+              <a:t>deleterious</a:t>
+            </a:r>
+            <a:r>
+              <a:rPr lang="de-CH" sz="2000" dirty="0">
+                <a:sym typeface="Wingdings" panose="05000000000000000000" pitchFamily="2" charset="2"/>
+              </a:rPr>
+              <a:t> </a:t>
+            </a:r>
+            <a:r>
+              <a:rPr lang="de-CH" sz="2000" dirty="0" err="1">
+                <a:sym typeface="Wingdings" panose="05000000000000000000" pitchFamily="2" charset="2"/>
+              </a:rPr>
+              <a:t>mutations</a:t>
+            </a:r>
+            <a:r>
+              <a:rPr lang="de-CH" sz="2000" dirty="0">
+                <a:sym typeface="Wingdings" panose="05000000000000000000" pitchFamily="2" charset="2"/>
+              </a:rPr>
+              <a:t> </a:t>
+            </a:r>
+            <a:r>
+              <a:rPr lang="de-CH" sz="2000" dirty="0" err="1">
+                <a:sym typeface="Wingdings" panose="05000000000000000000" pitchFamily="2" charset="2"/>
+              </a:rPr>
+              <a:t>which</a:t>
+            </a:r>
+            <a:r>
+              <a:rPr lang="de-CH" sz="2000" dirty="0">
+                <a:sym typeface="Wingdings" panose="05000000000000000000" pitchFamily="2" charset="2"/>
+              </a:rPr>
+              <a:t> </a:t>
+            </a:r>
+            <a:r>
+              <a:rPr lang="de-CH" sz="2000" dirty="0" err="1">
+                <a:sym typeface="Wingdings" panose="05000000000000000000" pitchFamily="2" charset="2"/>
+              </a:rPr>
+              <a:t>mutate</a:t>
+            </a:r>
+            <a:r>
+              <a:rPr lang="de-CH" sz="2000" dirty="0">
+                <a:sym typeface="Wingdings" panose="05000000000000000000" pitchFamily="2" charset="2"/>
+              </a:rPr>
+              <a:t>, </a:t>
+            </a:r>
+            <a:r>
+              <a:rPr lang="de-CH" sz="2000" dirty="0" err="1">
+                <a:sym typeface="Wingdings" panose="05000000000000000000" pitchFamily="2" charset="2"/>
+              </a:rPr>
+              <a:t>including</a:t>
+            </a:r>
+            <a:r>
+              <a:rPr lang="de-CH" sz="2000" dirty="0">
+                <a:sym typeface="Wingdings" panose="05000000000000000000" pitchFamily="2" charset="2"/>
+              </a:rPr>
+              <a:t> back </a:t>
+            </a:r>
+            <a:r>
+              <a:rPr lang="de-CH" sz="2000" dirty="0" err="1">
+                <a:sym typeface="Wingdings" panose="05000000000000000000" pitchFamily="2" charset="2"/>
+              </a:rPr>
+              <a:t>mutations</a:t>
+            </a:r>
+            <a:r>
+              <a:rPr lang="de-CH" sz="2000" dirty="0">
+                <a:sym typeface="Wingdings" panose="05000000000000000000" pitchFamily="2" charset="2"/>
+              </a:rPr>
+              <a:t> </a:t>
+            </a:r>
+          </a:p>
+          <a:p>
+            <a:r>
+              <a:rPr lang="de-CH" sz="2000" dirty="0">
+                <a:sym typeface="Wingdings" panose="05000000000000000000" pitchFamily="2" charset="2"/>
+              </a:rPr>
+              <a:t>Can not </a:t>
+            </a:r>
+            <a:r>
+              <a:rPr lang="de-CH" sz="2000" dirty="0" err="1">
+                <a:sym typeface="Wingdings" panose="05000000000000000000" pitchFamily="2" charset="2"/>
+              </a:rPr>
+              <a:t>really</a:t>
+            </a:r>
+            <a:r>
+              <a:rPr lang="de-CH" sz="2000" dirty="0">
+                <a:sym typeface="Wingdings" panose="05000000000000000000" pitchFamily="2" charset="2"/>
+              </a:rPr>
+              <a:t> </a:t>
+            </a:r>
+            <a:r>
+              <a:rPr lang="de-CH" sz="2000" dirty="0" err="1">
+                <a:sym typeface="Wingdings" panose="05000000000000000000" pitchFamily="2" charset="2"/>
+              </a:rPr>
+              <a:t>confirm</a:t>
+            </a:r>
+            <a:r>
+              <a:rPr lang="de-CH" sz="2000" dirty="0">
+                <a:sym typeface="Wingdings" panose="05000000000000000000" pitchFamily="2" charset="2"/>
+              </a:rPr>
+              <a:t> </a:t>
+            </a:r>
+            <a:r>
+              <a:rPr lang="de-CH" sz="2000" dirty="0" err="1">
+                <a:sym typeface="Wingdings" panose="05000000000000000000" pitchFamily="2" charset="2"/>
+              </a:rPr>
+              <a:t>or</a:t>
+            </a:r>
+            <a:r>
+              <a:rPr lang="de-CH" sz="2000" dirty="0">
+                <a:sym typeface="Wingdings" panose="05000000000000000000" pitchFamily="2" charset="2"/>
+              </a:rPr>
+              <a:t> </a:t>
+            </a:r>
+            <a:r>
+              <a:rPr lang="de-CH" sz="2000" dirty="0" err="1">
+                <a:sym typeface="Wingdings" panose="05000000000000000000" pitchFamily="2" charset="2"/>
+              </a:rPr>
+              <a:t>disprove</a:t>
+            </a:r>
+            <a:r>
+              <a:rPr lang="de-CH" sz="2000" dirty="0">
+                <a:sym typeface="Wingdings" panose="05000000000000000000" pitchFamily="2" charset="2"/>
+              </a:rPr>
+              <a:t> </a:t>
+            </a:r>
+            <a:r>
+              <a:rPr lang="de-CH" sz="2000" dirty="0" err="1">
+                <a:sym typeface="Wingdings" panose="05000000000000000000" pitchFamily="2" charset="2"/>
+              </a:rPr>
+              <a:t>our</a:t>
+            </a:r>
+            <a:r>
+              <a:rPr lang="de-CH" sz="2000" dirty="0">
+                <a:sym typeface="Wingdings" panose="05000000000000000000" pitchFamily="2" charset="2"/>
+              </a:rPr>
+              <a:t> </a:t>
+            </a:r>
+            <a:r>
+              <a:rPr lang="de-CH" sz="2000" dirty="0" err="1">
+                <a:sym typeface="Wingdings" panose="05000000000000000000" pitchFamily="2" charset="2"/>
+              </a:rPr>
+              <a:t>results</a:t>
+            </a:r>
+            <a:r>
+              <a:rPr lang="de-CH" sz="2000" dirty="0">
+                <a:sym typeface="Wingdings" panose="05000000000000000000" pitchFamily="2" charset="2"/>
+              </a:rPr>
+              <a:t> </a:t>
+            </a:r>
+            <a:r>
+              <a:rPr lang="de-CH" sz="2000" dirty="0" err="1">
+                <a:sym typeface="Wingdings" panose="05000000000000000000" pitchFamily="2" charset="2"/>
+              </a:rPr>
+              <a:t>that</a:t>
+            </a:r>
+            <a:r>
+              <a:rPr lang="de-CH" sz="2000" dirty="0">
+                <a:sym typeface="Wingdings" panose="05000000000000000000" pitchFamily="2" charset="2"/>
+              </a:rPr>
+              <a:t> </a:t>
+            </a:r>
+            <a:r>
+              <a:rPr lang="de-CH" sz="2000" dirty="0" err="1">
+                <a:sym typeface="Wingdings" panose="05000000000000000000" pitchFamily="2" charset="2"/>
+              </a:rPr>
+              <a:t>the</a:t>
+            </a:r>
+            <a:r>
+              <a:rPr lang="de-CH" sz="2000" dirty="0">
+                <a:sym typeface="Wingdings" panose="05000000000000000000" pitchFamily="2" charset="2"/>
+              </a:rPr>
+              <a:t> strong </a:t>
+            </a:r>
+            <a:r>
+              <a:rPr lang="de-CH" sz="2000" dirty="0" err="1">
+                <a:sym typeface="Wingdings" panose="05000000000000000000" pitchFamily="2" charset="2"/>
+              </a:rPr>
+              <a:t>mutation</a:t>
+            </a:r>
+            <a:r>
+              <a:rPr lang="de-CH" sz="2000" dirty="0">
+                <a:sym typeface="Wingdings" panose="05000000000000000000" pitchFamily="2" charset="2"/>
+              </a:rPr>
+              <a:t> </a:t>
+            </a:r>
+            <a:r>
+              <a:rPr lang="de-CH" sz="2000" dirty="0" err="1">
+                <a:sym typeface="Wingdings" panose="05000000000000000000" pitchFamily="2" charset="2"/>
+              </a:rPr>
+              <a:t>does</a:t>
+            </a:r>
+            <a:r>
+              <a:rPr lang="de-CH" sz="2000" dirty="0">
+                <a:sym typeface="Wingdings" panose="05000000000000000000" pitchFamily="2" charset="2"/>
+              </a:rPr>
+              <a:t> </a:t>
+            </a:r>
+            <a:r>
+              <a:rPr lang="de-CH" sz="2000" dirty="0" err="1">
+                <a:sym typeface="Wingdings" panose="05000000000000000000" pitchFamily="2" charset="2"/>
+              </a:rPr>
+              <a:t>better</a:t>
+            </a:r>
+            <a:endParaRPr lang="de-CH" sz="2000">
+              <a:sym typeface="Wingdings" panose="05000000000000000000" pitchFamily="2" charset="2"/>
+            </a:endParaRPr>
+          </a:p>
+          <a:p>
+            <a:endParaRPr lang="de-CH" sz="2000" dirty="0">
+              <a:sym typeface="Wingdings" panose="05000000000000000000" pitchFamily="2" charset="2"/>
+            </a:endParaRPr>
+          </a:p>
+        </p:txBody>
+      </p:sp>
+    </p:spTree>
+    <p:extLst>
+      <p:ext uri="{BB962C8B-B14F-4D97-AF65-F5344CB8AC3E}">
+        <p14:creationId xmlns:p14="http://schemas.microsoft.com/office/powerpoint/2010/main" val="1055885848"/>
       </p:ext>
     </p:extLst>
   </p:cSld>

--- a/THEE_presentation.pptx
+++ b/THEE_presentation.pptx
@@ -1906,10 +1906,14 @@
             <a:defRPr cap="all"/>
           </a:pPr>
           <a:r>
-            <a:rPr lang="de-CH"/>
-            <a:t>Results and conclusion</a:t>
+            <a:rPr lang="de-CH" dirty="0" err="1"/>
+            <a:t>Results</a:t>
           </a:r>
-          <a:endParaRPr lang="en-US"/>
+          <a:r>
+            <a:rPr lang="de-CH" dirty="0"/>
+            <a:t> </a:t>
+          </a:r>
+          <a:endParaRPr lang="en-US" dirty="0"/>
         </a:p>
       </dgm:t>
     </dgm:pt>
@@ -1949,10 +1953,18 @@
             <a:defRPr cap="all"/>
           </a:pPr>
           <a:r>
-            <a:rPr lang="de-CH"/>
-            <a:t>Biological applications</a:t>
+            <a:rPr lang="de-CH" dirty="0" err="1"/>
+            <a:t>Discussion</a:t>
           </a:r>
-          <a:endParaRPr lang="en-US"/>
+          <a:r>
+            <a:rPr lang="de-CH" dirty="0"/>
+            <a:t> &amp; Biological </a:t>
+          </a:r>
+          <a:r>
+            <a:rPr lang="de-CH" dirty="0" err="1"/>
+            <a:t>applications</a:t>
+          </a:r>
+          <a:endParaRPr lang="en-US" dirty="0"/>
         </a:p>
       </dgm:t>
     </dgm:pt>
@@ -2708,7 +2720,7 @@
         </a:bodyPr>
         <a:lstStyle/>
         <a:p>
-          <a:pPr marL="0" lvl="0" indent="0" algn="ctr" defTabSz="889000">
+          <a:pPr marL="0" lvl="0" indent="0" algn="ctr" defTabSz="666750">
             <a:lnSpc>
               <a:spcPct val="100000"/>
             </a:lnSpc>
@@ -2722,10 +2734,10 @@
             <a:defRPr cap="all"/>
           </a:pPr>
           <a:r>
-            <a:rPr lang="de-CH" sz="2000" kern="1200"/>
+            <a:rPr lang="de-CH" sz="1500" kern="1200"/>
             <a:t>Hypothesis and predictions</a:t>
           </a:r>
-          <a:endParaRPr lang="en-US" sz="2000" kern="1200"/>
+          <a:endParaRPr lang="en-US" sz="1500" kern="1200"/>
         </a:p>
       </dsp:txBody>
       <dsp:txXfrm>
@@ -2862,7 +2874,7 @@
         </a:bodyPr>
         <a:lstStyle/>
         <a:p>
-          <a:pPr marL="0" lvl="0" indent="0" algn="ctr" defTabSz="889000">
+          <a:pPr marL="0" lvl="0" indent="0" algn="ctr" defTabSz="666750">
             <a:lnSpc>
               <a:spcPct val="100000"/>
             </a:lnSpc>
@@ -2876,10 +2888,10 @@
             <a:defRPr cap="all"/>
           </a:pPr>
           <a:r>
-            <a:rPr lang="de-CH" sz="2000" kern="1200"/>
+            <a:rPr lang="de-CH" sz="1500" kern="1200"/>
             <a:t>Method </a:t>
           </a:r>
-          <a:endParaRPr lang="en-US" sz="2000" kern="1200"/>
+          <a:endParaRPr lang="en-US" sz="1500" kern="1200"/>
         </a:p>
       </dsp:txBody>
       <dsp:txXfrm>
@@ -3016,7 +3028,7 @@
         </a:bodyPr>
         <a:lstStyle/>
         <a:p>
-          <a:pPr marL="0" lvl="0" indent="0" algn="ctr" defTabSz="889000">
+          <a:pPr marL="0" lvl="0" indent="0" algn="ctr" defTabSz="666750">
             <a:lnSpc>
               <a:spcPct val="100000"/>
             </a:lnSpc>
@@ -3030,10 +3042,14 @@
             <a:defRPr cap="all"/>
           </a:pPr>
           <a:r>
-            <a:rPr lang="de-CH" sz="2000" kern="1200"/>
-            <a:t>Results and conclusion</a:t>
+            <a:rPr lang="de-CH" sz="1500" kern="1200" dirty="0" err="1"/>
+            <a:t>Results</a:t>
           </a:r>
-          <a:endParaRPr lang="en-US" sz="2000" kern="1200"/>
+          <a:r>
+            <a:rPr lang="de-CH" sz="1500" kern="1200" dirty="0"/>
+            <a:t> </a:t>
+          </a:r>
+          <a:endParaRPr lang="en-US" sz="1500" kern="1200" dirty="0"/>
         </a:p>
       </dsp:txBody>
       <dsp:txXfrm>
@@ -3170,7 +3186,7 @@
         </a:bodyPr>
         <a:lstStyle/>
         <a:p>
-          <a:pPr marL="0" lvl="0" indent="0" algn="ctr" defTabSz="889000">
+          <a:pPr marL="0" lvl="0" indent="0" algn="ctr" defTabSz="666750">
             <a:lnSpc>
               <a:spcPct val="100000"/>
             </a:lnSpc>
@@ -3184,10 +3200,18 @@
             <a:defRPr cap="all"/>
           </a:pPr>
           <a:r>
-            <a:rPr lang="de-CH" sz="2000" kern="1200"/>
-            <a:t>Biological applications</a:t>
+            <a:rPr lang="de-CH" sz="1500" kern="1200" dirty="0" err="1"/>
+            <a:t>Discussion</a:t>
           </a:r>
-          <a:endParaRPr lang="en-US" sz="2000" kern="1200"/>
+          <a:r>
+            <a:rPr lang="de-CH" sz="1500" kern="1200" dirty="0"/>
+            <a:t> &amp; Biological </a:t>
+          </a:r>
+          <a:r>
+            <a:rPr lang="de-CH" sz="1500" kern="1200" dirty="0" err="1"/>
+            <a:t>applications</a:t>
+          </a:r>
+          <a:endParaRPr lang="en-US" sz="1500" kern="1200" dirty="0"/>
         </a:p>
       </dsp:txBody>
       <dsp:txXfrm>
@@ -6568,7 +6592,7 @@
           <a:p>
             <a:fld id="{256E0D5A-877C-43E6-8161-BEA82FD88084}" type="datetimeFigureOut">
               <a:rPr lang="de-CH" smtClean="0"/>
-              <a:t>28.10.2025</a:t>
+              <a:t>29.10.2025</a:t>
             </a:fld>
             <a:endParaRPr lang="de-CH"/>
           </a:p>
@@ -6622,7 +6646,7 @@
           <a:p>
             <a:fld id="{2A07F06B-CB54-47B8-86A8-70FF2417EE14}" type="slidenum">
               <a:rPr lang="de-CH" smtClean="0"/>
-              <a:t>‹#›</a:t>
+              <a:t>‹Nr.›</a:t>
             </a:fld>
             <a:endParaRPr lang="de-CH"/>
           </a:p>
@@ -6768,7 +6792,7 @@
           <a:p>
             <a:fld id="{256E0D5A-877C-43E6-8161-BEA82FD88084}" type="datetimeFigureOut">
               <a:rPr lang="de-CH" smtClean="0"/>
-              <a:t>28.10.2025</a:t>
+              <a:t>29.10.2025</a:t>
             </a:fld>
             <a:endParaRPr lang="de-CH"/>
           </a:p>
@@ -6822,7 +6846,7 @@
           <a:p>
             <a:fld id="{2A07F06B-CB54-47B8-86A8-70FF2417EE14}" type="slidenum">
               <a:rPr lang="de-CH" smtClean="0"/>
-              <a:t>‹#›</a:t>
+              <a:t>‹Nr.›</a:t>
             </a:fld>
             <a:endParaRPr lang="de-CH"/>
           </a:p>
@@ -6978,7 +7002,7 @@
           <a:p>
             <a:fld id="{256E0D5A-877C-43E6-8161-BEA82FD88084}" type="datetimeFigureOut">
               <a:rPr lang="de-CH" smtClean="0"/>
-              <a:t>28.10.2025</a:t>
+              <a:t>29.10.2025</a:t>
             </a:fld>
             <a:endParaRPr lang="de-CH"/>
           </a:p>
@@ -7032,7 +7056,7 @@
           <a:p>
             <a:fld id="{2A07F06B-CB54-47B8-86A8-70FF2417EE14}" type="slidenum">
               <a:rPr lang="de-CH" smtClean="0"/>
-              <a:t>‹#›</a:t>
+              <a:t>‹Nr.›</a:t>
             </a:fld>
             <a:endParaRPr lang="de-CH"/>
           </a:p>
@@ -7178,7 +7202,7 @@
           <a:p>
             <a:fld id="{256E0D5A-877C-43E6-8161-BEA82FD88084}" type="datetimeFigureOut">
               <a:rPr lang="de-CH" smtClean="0"/>
-              <a:t>28.10.2025</a:t>
+              <a:t>29.10.2025</a:t>
             </a:fld>
             <a:endParaRPr lang="de-CH"/>
           </a:p>
@@ -7232,7 +7256,7 @@
           <a:p>
             <a:fld id="{2A07F06B-CB54-47B8-86A8-70FF2417EE14}" type="slidenum">
               <a:rPr lang="de-CH" smtClean="0"/>
-              <a:t>‹#›</a:t>
+              <a:t>‹Nr.›</a:t>
             </a:fld>
             <a:endParaRPr lang="de-CH"/>
           </a:p>
@@ -7454,7 +7478,7 @@
           <a:p>
             <a:fld id="{256E0D5A-877C-43E6-8161-BEA82FD88084}" type="datetimeFigureOut">
               <a:rPr lang="de-CH" smtClean="0"/>
-              <a:t>28.10.2025</a:t>
+              <a:t>29.10.2025</a:t>
             </a:fld>
             <a:endParaRPr lang="de-CH"/>
           </a:p>
@@ -7508,7 +7532,7 @@
           <a:p>
             <a:fld id="{2A07F06B-CB54-47B8-86A8-70FF2417EE14}" type="slidenum">
               <a:rPr lang="de-CH" smtClean="0"/>
-              <a:t>‹#›</a:t>
+              <a:t>‹Nr.›</a:t>
             </a:fld>
             <a:endParaRPr lang="de-CH"/>
           </a:p>
@@ -7722,7 +7746,7 @@
           <a:p>
             <a:fld id="{256E0D5A-877C-43E6-8161-BEA82FD88084}" type="datetimeFigureOut">
               <a:rPr lang="de-CH" smtClean="0"/>
-              <a:t>28.10.2025</a:t>
+              <a:t>29.10.2025</a:t>
             </a:fld>
             <a:endParaRPr lang="de-CH"/>
           </a:p>
@@ -7776,7 +7800,7 @@
           <a:p>
             <a:fld id="{2A07F06B-CB54-47B8-86A8-70FF2417EE14}" type="slidenum">
               <a:rPr lang="de-CH" smtClean="0"/>
-              <a:t>‹#›</a:t>
+              <a:t>‹Nr.›</a:t>
             </a:fld>
             <a:endParaRPr lang="de-CH"/>
           </a:p>
@@ -8137,7 +8161,7 @@
           <a:p>
             <a:fld id="{256E0D5A-877C-43E6-8161-BEA82FD88084}" type="datetimeFigureOut">
               <a:rPr lang="de-CH" smtClean="0"/>
-              <a:t>28.10.2025</a:t>
+              <a:t>29.10.2025</a:t>
             </a:fld>
             <a:endParaRPr lang="de-CH"/>
           </a:p>
@@ -8191,7 +8215,7 @@
           <a:p>
             <a:fld id="{2A07F06B-CB54-47B8-86A8-70FF2417EE14}" type="slidenum">
               <a:rPr lang="de-CH" smtClean="0"/>
-              <a:t>‹#›</a:t>
+              <a:t>‹Nr.›</a:t>
             </a:fld>
             <a:endParaRPr lang="de-CH"/>
           </a:p>
@@ -8279,7 +8303,7 @@
           <a:p>
             <a:fld id="{256E0D5A-877C-43E6-8161-BEA82FD88084}" type="datetimeFigureOut">
               <a:rPr lang="de-CH" smtClean="0"/>
-              <a:t>28.10.2025</a:t>
+              <a:t>29.10.2025</a:t>
             </a:fld>
             <a:endParaRPr lang="de-CH"/>
           </a:p>
@@ -8333,7 +8357,7 @@
           <a:p>
             <a:fld id="{2A07F06B-CB54-47B8-86A8-70FF2417EE14}" type="slidenum">
               <a:rPr lang="de-CH" smtClean="0"/>
-              <a:t>‹#›</a:t>
+              <a:t>‹Nr.›</a:t>
             </a:fld>
             <a:endParaRPr lang="de-CH"/>
           </a:p>
@@ -8392,7 +8416,7 @@
           <a:p>
             <a:fld id="{256E0D5A-877C-43E6-8161-BEA82FD88084}" type="datetimeFigureOut">
               <a:rPr lang="de-CH" smtClean="0"/>
-              <a:t>28.10.2025</a:t>
+              <a:t>29.10.2025</a:t>
             </a:fld>
             <a:endParaRPr lang="de-CH"/>
           </a:p>
@@ -8446,7 +8470,7 @@
           <a:p>
             <a:fld id="{2A07F06B-CB54-47B8-86A8-70FF2417EE14}" type="slidenum">
               <a:rPr lang="de-CH" smtClean="0"/>
-              <a:t>‹#›</a:t>
+              <a:t>‹Nr.›</a:t>
             </a:fld>
             <a:endParaRPr lang="de-CH"/>
           </a:p>
@@ -8705,7 +8729,7 @@
           <a:p>
             <a:fld id="{256E0D5A-877C-43E6-8161-BEA82FD88084}" type="datetimeFigureOut">
               <a:rPr lang="de-CH" smtClean="0"/>
-              <a:t>28.10.2025</a:t>
+              <a:t>29.10.2025</a:t>
             </a:fld>
             <a:endParaRPr lang="de-CH"/>
           </a:p>
@@ -8759,7 +8783,7 @@
           <a:p>
             <a:fld id="{2A07F06B-CB54-47B8-86A8-70FF2417EE14}" type="slidenum">
               <a:rPr lang="de-CH" smtClean="0"/>
-              <a:t>‹#›</a:t>
+              <a:t>‹Nr.›</a:t>
             </a:fld>
             <a:endParaRPr lang="de-CH"/>
           </a:p>
@@ -8994,7 +9018,7 @@
           <a:p>
             <a:fld id="{256E0D5A-877C-43E6-8161-BEA82FD88084}" type="datetimeFigureOut">
               <a:rPr lang="de-CH" smtClean="0"/>
-              <a:t>28.10.2025</a:t>
+              <a:t>29.10.2025</a:t>
             </a:fld>
             <a:endParaRPr lang="de-CH"/>
           </a:p>
@@ -9048,7 +9072,7 @@
           <a:p>
             <a:fld id="{2A07F06B-CB54-47B8-86A8-70FF2417EE14}" type="slidenum">
               <a:rPr lang="de-CH" smtClean="0"/>
-              <a:t>‹#›</a:t>
+              <a:t>‹Nr.›</a:t>
             </a:fld>
             <a:endParaRPr lang="de-CH"/>
           </a:p>
@@ -9237,7 +9261,7 @@
           <a:p>
             <a:fld id="{256E0D5A-877C-43E6-8161-BEA82FD88084}" type="datetimeFigureOut">
               <a:rPr lang="de-CH" smtClean="0"/>
-              <a:t>28.10.2025</a:t>
+              <a:t>29.10.2025</a:t>
             </a:fld>
             <a:endParaRPr lang="de-CH"/>
           </a:p>
@@ -9327,7 +9351,7 @@
           <a:p>
             <a:fld id="{2A07F06B-CB54-47B8-86A8-70FF2417EE14}" type="slidenum">
               <a:rPr lang="de-CH" smtClean="0"/>
-              <a:t>‹#›</a:t>
+              <a:t>‹Nr.›</a:t>
             </a:fld>
             <a:endParaRPr lang="de-CH"/>
           </a:p>
@@ -11466,7 +11490,7 @@
             <p:ph idx="1"/>
             <p:extLst>
               <p:ext uri="{D42A27DB-BD31-4B8C-83A1-F6EECF244321}">
-                <p14:modId xmlns:p14="http://schemas.microsoft.com/office/powerpoint/2010/main" val="2395582769"/>
+                <p14:modId xmlns:p14="http://schemas.microsoft.com/office/powerpoint/2010/main" val="133957413"/>
               </p:ext>
             </p:extLst>
           </p:nvPr>

--- a/THEE_presentation.pptx
+++ b/THEE_presentation.pptx
@@ -10827,6 +10827,38 @@
           </a:p>
         </p:txBody>
       </p:sp>
+      <p:sp>
+        <p:nvSpPr>
+          <p:cNvPr id="2" name="TextBox 1">
+            <a:extLst>
+              <a:ext uri="{FF2B5EF4-FFF2-40B4-BE49-F238E27FC236}">
+                <a16:creationId xmlns:a16="http://schemas.microsoft.com/office/drawing/2014/main" id="{A60ED06A-EC21-C1EC-4142-91DCFE742427}"/>
+              </a:ext>
+            </a:extLst>
+          </p:cNvPr>
+          <p:cNvSpPr txBox="1"/>
+          <p:nvPr/>
+        </p:nvSpPr>
+        <p:spPr>
+          <a:xfrm>
+            <a:off x="751114" y="163286"/>
+            <a:ext cx="10199915" cy="1230085"/>
+          </a:xfrm>
+          <a:prstGeom prst="rect">
+            <a:avLst/>
+          </a:prstGeom>
+          <a:noFill/>
+        </p:spPr>
+        <p:txBody>
+          <a:bodyPr wrap="square" rtlCol="0">
+            <a:spAutoFit/>
+          </a:bodyPr>
+          <a:lstStyle/>
+          <a:p>
+            <a:endParaRPr lang="de-CH"/>
+          </a:p>
+        </p:txBody>
+      </p:sp>
     </p:spTree>
     <p:extLst>
       <p:ext uri="{BB962C8B-B14F-4D97-AF65-F5344CB8AC3E}">
@@ -10881,8 +10913,8 @@
         </p:blipFill>
         <p:spPr>
           <a:xfrm>
-            <a:off x="643467" y="1807492"/>
-            <a:ext cx="5294716" cy="3243013"/>
+            <a:off x="240694" y="1502692"/>
+            <a:ext cx="5697489" cy="3489711"/>
           </a:xfrm>
           <a:prstGeom prst="rect">
             <a:avLst/>
@@ -10911,8 +10943,8 @@
         </p:blipFill>
         <p:spPr>
           <a:xfrm>
-            <a:off x="6253817" y="1787639"/>
-            <a:ext cx="5294715" cy="3282722"/>
+            <a:off x="5938183" y="1502692"/>
+            <a:ext cx="5851095" cy="3627677"/>
           </a:xfrm>
           <a:prstGeom prst="rect">
             <a:avLst/>
@@ -12610,6 +12642,14 @@
 <file path=ppt/slides/slide5.xml><?xml version="1.0" encoding="utf-8"?>
 <p:sld xmlns:a="http://schemas.openxmlformats.org/drawingml/2006/main" xmlns:r="http://schemas.openxmlformats.org/officeDocument/2006/relationships" xmlns:p="http://schemas.openxmlformats.org/presentationml/2006/main">
   <p:cSld>
+    <p:bg>
+      <p:bgPr>
+        <a:solidFill>
+          <a:schemeClr val="bg1"/>
+        </a:solidFill>
+        <a:effectLst/>
+      </p:bgPr>
+    </p:bg>
     <p:spTree>
       <p:nvGrpSpPr>
         <p:cNvPr id="1" name=""/>
@@ -12852,7 +12892,7 @@
     </p:extLst>
   </p:cSld>
   <p:clrMapOvr>
-    <a:masterClrMapping/>
+    <a:overrideClrMapping bg1="lt1" tx1="dk1" bg2="lt2" tx2="dk2" accent1="accent1" accent2="accent2" accent3="accent3" accent4="accent4" accent5="accent5" accent6="accent6" hlink="hlink" folHlink="folHlink"/>
   </p:clrMapOvr>
 </p:sld>
 </file>
@@ -14068,4 +14108,47 @@
     </a:ext>
   </a:extLst>
 </a:theme>
+</file>
+
+<file path=ppt/theme/themeOverride1.xml><?xml version="1.0" encoding="utf-8"?>
+<a:themeOverride xmlns:a="http://schemas.openxmlformats.org/drawingml/2006/main">
+  <a:clrScheme name="Office">
+    <a:dk1>
+      <a:sysClr val="windowText" lastClr="000000"/>
+    </a:dk1>
+    <a:lt1>
+      <a:sysClr val="window" lastClr="FFFFFF"/>
+    </a:lt1>
+    <a:dk2>
+      <a:srgbClr val="0E2841"/>
+    </a:dk2>
+    <a:lt2>
+      <a:srgbClr val="E8E8E8"/>
+    </a:lt2>
+    <a:accent1>
+      <a:srgbClr val="156082"/>
+    </a:accent1>
+    <a:accent2>
+      <a:srgbClr val="E97132"/>
+    </a:accent2>
+    <a:accent3>
+      <a:srgbClr val="196B24"/>
+    </a:accent3>
+    <a:accent4>
+      <a:srgbClr val="0F9ED5"/>
+    </a:accent4>
+    <a:accent5>
+      <a:srgbClr val="A02B93"/>
+    </a:accent5>
+    <a:accent6>
+      <a:srgbClr val="4EA72E"/>
+    </a:accent6>
+    <a:hlink>
+      <a:srgbClr val="467886"/>
+    </a:hlink>
+    <a:folHlink>
+      <a:srgbClr val="96607D"/>
+    </a:folHlink>
+  </a:clrScheme>
+</a:themeOverride>
 </file>